--- a/poster.pptx
+++ b/poster.pptx
@@ -657,7 +657,7 @@
         <p:nvSpPr>
           <p:cNvPr id="16388" name="Rectangle 4"/>
           <p:cNvSpPr>
-            <a:spLocks noChangeArrowheads="1" noTextEdit="1"/>
+            <a:spLocks noGrp="1" noRot="1" noChangeAspect="1" noChangeArrowheads="1" noTextEdit="1"/>
           </p:cNvSpPr>
           <p:nvPr>
             <p:ph type="sldImg" idx="2"/>
@@ -4527,7 +4527,9 @@
             <a:ext cx="7632848" cy="8064896"/>
           </a:xfrm>
           <a:prstGeom prst="roundRect">
-            <a:avLst/>
+            <a:avLst>
+              <a:gd name="adj" fmla="val 4188"/>
+            </a:avLst>
           </a:prstGeom>
           <a:ln/>
         </p:spPr>
@@ -4546,7 +4548,7 @@
           </a:fontRef>
         </p:style>
         <p:txBody>
-          <a:bodyPr vert="horz" wrap="square" lIns="36000" tIns="228600" rIns="36000" bIns="228600" numCol="1" rtlCol="0" anchor="t" anchorCtr="0" compatLnSpc="1">
+          <a:bodyPr vert="horz" wrap="square" lIns="72000" tIns="72000" rIns="72000" bIns="72000" numCol="1" rtlCol="0" anchor="t" anchorCtr="0" compatLnSpc="1">
             <a:prstTxWarp prst="textNoShape">
               <a:avLst/>
             </a:prstTxWarp>
@@ -4603,8 +4605,136 @@
                 </a:solidFill>
                 <a:latin typeface="Arial" charset="0"/>
               </a:rPr>
-              <a:t>Early detection of cancer plays a major role in reducing cancer mortality. With the advent of neural networks, it is now possible to classify photgraphed cells as either healthy or cancerous, a task which has previously been exclusive to highly trained professionals.</a:t>
-            </a:r>
+              <a:t>Early detection of cancer plays a major role in reducing cancer mortality. With the advent of </a:t>
+            </a:r>
+            <a:r>
+              <a:rPr lang="sv-SE" sz="3200" dirty="0" smtClean="0">
+                <a:solidFill>
+                  <a:srgbClr val="000000"/>
+                </a:solidFill>
+                <a:latin typeface="Arial" charset="0"/>
+              </a:rPr>
+              <a:t>convolutional neural </a:t>
+            </a:r>
+            <a:r>
+              <a:rPr lang="sv-SE" sz="3200" dirty="0" smtClean="0">
+                <a:solidFill>
+                  <a:srgbClr val="000000"/>
+                </a:solidFill>
+                <a:latin typeface="Arial" charset="0"/>
+              </a:rPr>
+              <a:t>networks, it is now possible to classify photgraphed cells as either healthy or cancerous, a task which has previously been exclusive to highly trained professionals</a:t>
+            </a:r>
+            <a:r>
+              <a:rPr lang="sv-SE" sz="3200" dirty="0" smtClean="0">
+                <a:solidFill>
+                  <a:srgbClr val="000000"/>
+                </a:solidFill>
+                <a:latin typeface="Arial" charset="0"/>
+              </a:rPr>
+              <a:t>.  </a:t>
+            </a:r>
+            <a:r>
+              <a:rPr lang="sv-SE" sz="3200" dirty="0" smtClean="0">
+                <a:solidFill>
+                  <a:srgbClr val="000000"/>
+                </a:solidFill>
+                <a:latin typeface="Arial" charset="0"/>
+              </a:rPr>
+              <a:t>In this project three novel network architechtures are trained on a cytography images of healthy and cancer cells, and</a:t>
+            </a:r>
+            <a:endParaRPr lang="sv-SE" sz="3200" dirty="0" smtClean="0">
+              <a:solidFill>
+                <a:srgbClr val="000000"/>
+              </a:solidFill>
+              <a:latin typeface="Arial" charset="0"/>
+            </a:endParaRPr>
+          </a:p>
+        </p:txBody>
+      </p:sp>
+      <p:sp>
+        <p:nvSpPr>
+          <p:cNvPr id="2" name="Rounded Rectangle 1"/>
+          <p:cNvSpPr/>
+          <p:nvPr/>
+        </p:nvSpPr>
+        <p:spPr bwMode="auto">
+          <a:xfrm>
+            <a:off x="17135773" y="6480101"/>
+            <a:ext cx="5616624" cy="3744416"/>
+          </a:xfrm>
+          <a:prstGeom prst="roundRect">
+            <a:avLst/>
+          </a:prstGeom>
+          <a:noFill/>
+          <a:ln>
+            <a:noFill/>
+          </a:ln>
+          <a:effectLst/>
+          <a:extLst>
+            <a:ext uri="{909E8E84-426E-40DD-AFC4-6F175D3DCCD1}">
+              <a14:hiddenFill xmlns:a14="http://schemas.microsoft.com/office/drawing/2010/main">
+                <a:solidFill>
+                  <a:schemeClr val="accent1"/>
+                </a:solidFill>
+              </a14:hiddenFill>
+            </a:ext>
+            <a:ext uri="{91240B29-F687-4F45-9708-019B960494DF}">
+              <a14:hiddenLine xmlns:a14="http://schemas.microsoft.com/office/drawing/2010/main" w="9525" cap="flat" cmpd="sng" algn="ctr">
+                <a:solidFill>
+                  <a:schemeClr val="tx1"/>
+                </a:solidFill>
+                <a:prstDash val="solid"/>
+                <a:round/>
+                <a:headEnd type="none" w="med" len="med"/>
+                <a:tailEnd type="none" w="med" len="med"/>
+              </a14:hiddenLine>
+            </a:ext>
+            <a:ext uri="{AF507438-7753-43E0-B8FC-AC1667EBCBE1}">
+              <a14:hiddenEffects xmlns:a14="http://schemas.microsoft.com/office/drawing/2010/main">
+                <a:effectLst>
+                  <a:outerShdw dist="35921" dir="2700000" algn="ctr" rotWithShape="0">
+                    <a:schemeClr val="bg2"/>
+                  </a:outerShdw>
+                </a:effectLst>
+              </a14:hiddenEffects>
+            </a:ext>
+          </a:extLst>
+        </p:spPr>
+        <p:txBody>
+          <a:bodyPr vert="horz" wrap="square" lIns="457200" tIns="228600" rIns="457200" bIns="228600" numCol="1" rtlCol="0" anchor="t" anchorCtr="0" compatLnSpc="1">
+            <a:prstTxWarp prst="textNoShape">
+              <a:avLst/>
+            </a:prstTxWarp>
+          </a:bodyPr>
+          <a:lstStyle/>
+          <a:p>
+            <a:pPr marL="0" marR="0" indent="0" algn="l" defTabSz="914400" rtl="0" eaLnBrk="1" fontAlgn="base" latinLnBrk="0" hangingPunct="1">
+              <a:lnSpc>
+                <a:spcPct val="100000"/>
+              </a:lnSpc>
+              <a:spcBef>
+                <a:spcPct val="20000"/>
+              </a:spcBef>
+              <a:spcAft>
+                <a:spcPct val="0"/>
+              </a:spcAft>
+              <a:buClrTx/>
+              <a:buSzTx/>
+              <a:buFontTx/>
+              <a:buNone/>
+              <a:tabLst/>
+            </a:pPr>
+            <a:endParaRPr kumimoji="0" lang="en-GB" sz="4600" b="0" i="0" u="none" strike="noStrike" cap="none" normalizeH="0" baseline="0" smtClean="0">
+              <a:ln>
+                <a:noFill/>
+              </a:ln>
+              <a:solidFill>
+                <a:srgbClr val="000000"/>
+              </a:solidFill>
+              <a:effectLst/>
+              <a:latin typeface="Arial" charset="0"/>
+            </a:endParaRPr>
           </a:p>
         </p:txBody>
       </p:sp>

--- a/poster.pptx
+++ b/poster.pptx
@@ -4605,50 +4605,8 @@
                 </a:solidFill>
                 <a:latin typeface="Arial" charset="0"/>
               </a:rPr>
-              <a:t>Early detection of cancer plays a major role in reducing cancer mortality. With the advent of </a:t>
-            </a:r>
-            <a:r>
-              <a:rPr lang="sv-SE" sz="3200" dirty="0" smtClean="0">
-                <a:solidFill>
-                  <a:srgbClr val="000000"/>
-                </a:solidFill>
-                <a:latin typeface="Arial" charset="0"/>
-              </a:rPr>
-              <a:t>convolutional neural </a:t>
-            </a:r>
-            <a:r>
-              <a:rPr lang="sv-SE" sz="3200" dirty="0" smtClean="0">
-                <a:solidFill>
-                  <a:srgbClr val="000000"/>
-                </a:solidFill>
-                <a:latin typeface="Arial" charset="0"/>
-              </a:rPr>
-              <a:t>networks, it is now possible to classify photgraphed cells as either healthy or cancerous, a task which has previously been exclusive to highly trained professionals</a:t>
-            </a:r>
-            <a:r>
-              <a:rPr lang="sv-SE" sz="3200" dirty="0" smtClean="0">
-                <a:solidFill>
-                  <a:srgbClr val="000000"/>
-                </a:solidFill>
-                <a:latin typeface="Arial" charset="0"/>
-              </a:rPr>
-              <a:t>.  </a:t>
-            </a:r>
-            <a:r>
-              <a:rPr lang="sv-SE" sz="3200" dirty="0" smtClean="0">
-                <a:solidFill>
-                  <a:srgbClr val="000000"/>
-                </a:solidFill>
-                <a:latin typeface="Arial" charset="0"/>
-              </a:rPr>
-              <a:t>In this project three novel network architechtures are trained on a cytography images of healthy and cancer cells, and</a:t>
-            </a:r>
-            <a:endParaRPr lang="sv-SE" sz="3200" dirty="0" smtClean="0">
-              <a:solidFill>
-                <a:srgbClr val="000000"/>
-              </a:solidFill>
-              <a:latin typeface="Arial" charset="0"/>
-            </a:endParaRPr>
+              <a:t>Early detection of cancer plays a major role in reducing cancer mortality. With the advent of convolutional neural networks, it is now possible to classify photgraphed cells as either healthy or cancerous, a task which has previously been exclusive to highly trained professionals.  In this project three novel network architechtures are trained on a cytography images of healthy and cancer cells, and</a:t>
+            </a:r>
           </a:p>
         </p:txBody>
       </p:sp>
@@ -4733,6 +4691,442 @@
                 <a:srgbClr val="000000"/>
               </a:solidFill>
               <a:effectLst/>
+              <a:latin typeface="Arial" charset="0"/>
+            </a:endParaRPr>
+          </a:p>
+        </p:txBody>
+      </p:sp>
+      <p:sp>
+        <p:nvSpPr>
+          <p:cNvPr id="8" name="Rounded Rectangle 7"/>
+          <p:cNvSpPr/>
+          <p:nvPr/>
+        </p:nvSpPr>
+        <p:spPr bwMode="auto">
+          <a:xfrm>
+            <a:off x="14183445" y="4463877"/>
+            <a:ext cx="7632848" cy="8064896"/>
+          </a:xfrm>
+          <a:prstGeom prst="roundRect">
+            <a:avLst>
+              <a:gd name="adj" fmla="val 4188"/>
+            </a:avLst>
+          </a:prstGeom>
+          <a:ln/>
+        </p:spPr>
+        <p:style>
+          <a:lnRef idx="2">
+            <a:schemeClr val="dk1"/>
+          </a:lnRef>
+          <a:fillRef idx="1">
+            <a:schemeClr val="lt1"/>
+          </a:fillRef>
+          <a:effectRef idx="0">
+            <a:schemeClr val="dk1"/>
+          </a:effectRef>
+          <a:fontRef idx="minor">
+            <a:schemeClr val="dk1"/>
+          </a:fontRef>
+        </p:style>
+        <p:txBody>
+          <a:bodyPr vert="horz" wrap="square" lIns="72000" tIns="72000" rIns="72000" bIns="72000" numCol="1" rtlCol="0" anchor="t" anchorCtr="0" compatLnSpc="1">
+            <a:prstTxWarp prst="textNoShape">
+              <a:avLst/>
+            </a:prstTxWarp>
+          </a:bodyPr>
+          <a:lstStyle/>
+          <a:p>
+            <a:pPr marL="0" marR="0" indent="0" algn="ctr" defTabSz="914400" rtl="0" eaLnBrk="1" fontAlgn="base" latinLnBrk="0" hangingPunct="1">
+              <a:lnSpc>
+                <a:spcPct val="100000"/>
+              </a:lnSpc>
+              <a:spcBef>
+                <a:spcPct val="20000"/>
+              </a:spcBef>
+              <a:spcAft>
+                <a:spcPct val="0"/>
+              </a:spcAft>
+              <a:buClrTx/>
+              <a:buSzTx/>
+              <a:buFontTx/>
+              <a:buNone/>
+              <a:tabLst/>
+            </a:pPr>
+            <a:r>
+              <a:rPr lang="sv-SE" sz="5000" dirty="0" smtClean="0">
+                <a:solidFill>
+                  <a:srgbClr val="000000"/>
+                </a:solidFill>
+                <a:latin typeface="Arial" charset="0"/>
+              </a:rPr>
+              <a:t>Models</a:t>
+            </a:r>
+            <a:endParaRPr lang="sv-SE" sz="5000" dirty="0" smtClean="0">
+              <a:solidFill>
+                <a:srgbClr val="000000"/>
+              </a:solidFill>
+              <a:latin typeface="Arial" charset="0"/>
+            </a:endParaRPr>
+          </a:p>
+        </p:txBody>
+      </p:sp>
+      <p:sp>
+        <p:nvSpPr>
+          <p:cNvPr id="10" name="Rounded Rectangle 9"/>
+          <p:cNvSpPr/>
+          <p:nvPr/>
+        </p:nvSpPr>
+        <p:spPr bwMode="auto">
+          <a:xfrm>
+            <a:off x="6089082" y="12874673"/>
+            <a:ext cx="7632848" cy="4550643"/>
+          </a:xfrm>
+          <a:prstGeom prst="roundRect">
+            <a:avLst>
+              <a:gd name="adj" fmla="val 4188"/>
+            </a:avLst>
+          </a:prstGeom>
+          <a:ln/>
+        </p:spPr>
+        <p:style>
+          <a:lnRef idx="2">
+            <a:schemeClr val="dk1"/>
+          </a:lnRef>
+          <a:fillRef idx="1">
+            <a:schemeClr val="lt1"/>
+          </a:fillRef>
+          <a:effectRef idx="0">
+            <a:schemeClr val="dk1"/>
+          </a:effectRef>
+          <a:fontRef idx="minor">
+            <a:schemeClr val="dk1"/>
+          </a:fontRef>
+        </p:style>
+        <p:txBody>
+          <a:bodyPr vert="horz" wrap="square" lIns="72000" tIns="72000" rIns="72000" bIns="72000" numCol="1" rtlCol="0" anchor="t" anchorCtr="0" compatLnSpc="1">
+            <a:prstTxWarp prst="textNoShape">
+              <a:avLst/>
+            </a:prstTxWarp>
+          </a:bodyPr>
+          <a:lstStyle/>
+          <a:p>
+            <a:pPr marL="0" marR="0" indent="0" algn="ctr" defTabSz="914400" rtl="0" eaLnBrk="1" fontAlgn="base" latinLnBrk="0" hangingPunct="1">
+              <a:lnSpc>
+                <a:spcPct val="100000"/>
+              </a:lnSpc>
+              <a:spcBef>
+                <a:spcPct val="20000"/>
+              </a:spcBef>
+              <a:spcAft>
+                <a:spcPct val="0"/>
+              </a:spcAft>
+              <a:buClrTx/>
+              <a:buSzTx/>
+              <a:buFontTx/>
+              <a:buNone/>
+              <a:tabLst/>
+            </a:pPr>
+            <a:r>
+              <a:rPr lang="sv-SE" sz="5000" dirty="0" smtClean="0">
+                <a:solidFill>
+                  <a:srgbClr val="000000"/>
+                </a:solidFill>
+                <a:latin typeface="Arial" charset="0"/>
+              </a:rPr>
+              <a:t>Data</a:t>
+            </a:r>
+          </a:p>
+          <a:p>
+            <a:pPr marL="0" marR="0" indent="0" defTabSz="914400" rtl="0" eaLnBrk="1" fontAlgn="base" latinLnBrk="0" hangingPunct="1">
+              <a:lnSpc>
+                <a:spcPct val="100000"/>
+              </a:lnSpc>
+              <a:spcBef>
+                <a:spcPct val="20000"/>
+              </a:spcBef>
+              <a:spcAft>
+                <a:spcPct val="0"/>
+              </a:spcAft>
+              <a:buClrTx/>
+              <a:buSzTx/>
+              <a:buFontTx/>
+              <a:buNone/>
+              <a:tabLst/>
+            </a:pPr>
+            <a:endParaRPr lang="sv-SE" sz="5000" dirty="0" smtClean="0">
+              <a:solidFill>
+                <a:srgbClr val="000000"/>
+              </a:solidFill>
+              <a:latin typeface="Arial" charset="0"/>
+            </a:endParaRPr>
+          </a:p>
+        </p:txBody>
+      </p:sp>
+      <p:sp>
+        <p:nvSpPr>
+          <p:cNvPr id="9" name="Rounded Rectangle 8"/>
+          <p:cNvSpPr/>
+          <p:nvPr/>
+        </p:nvSpPr>
+        <p:spPr bwMode="auto">
+          <a:xfrm>
+            <a:off x="14183445" y="12874673"/>
+            <a:ext cx="7632848" cy="8064896"/>
+          </a:xfrm>
+          <a:prstGeom prst="roundRect">
+            <a:avLst>
+              <a:gd name="adj" fmla="val 4188"/>
+            </a:avLst>
+          </a:prstGeom>
+          <a:ln/>
+        </p:spPr>
+        <p:style>
+          <a:lnRef idx="2">
+            <a:schemeClr val="dk1"/>
+          </a:lnRef>
+          <a:fillRef idx="1">
+            <a:schemeClr val="lt1"/>
+          </a:fillRef>
+          <a:effectRef idx="0">
+            <a:schemeClr val="dk1"/>
+          </a:effectRef>
+          <a:fontRef idx="minor">
+            <a:schemeClr val="dk1"/>
+          </a:fontRef>
+        </p:style>
+        <p:txBody>
+          <a:bodyPr vert="horz" wrap="square" lIns="72000" tIns="72000" rIns="72000" bIns="72000" numCol="1" rtlCol="0" anchor="t" anchorCtr="0" compatLnSpc="1">
+            <a:prstTxWarp prst="textNoShape">
+              <a:avLst/>
+            </a:prstTxWarp>
+          </a:bodyPr>
+          <a:lstStyle/>
+          <a:p>
+            <a:pPr marL="0" marR="0" indent="0" algn="ctr" defTabSz="914400" rtl="0" eaLnBrk="1" fontAlgn="base" latinLnBrk="0" hangingPunct="1">
+              <a:lnSpc>
+                <a:spcPct val="100000"/>
+              </a:lnSpc>
+              <a:spcBef>
+                <a:spcPct val="20000"/>
+              </a:spcBef>
+              <a:spcAft>
+                <a:spcPct val="0"/>
+              </a:spcAft>
+              <a:buClrTx/>
+              <a:buSzTx/>
+              <a:buFontTx/>
+              <a:buNone/>
+              <a:tabLst/>
+            </a:pPr>
+            <a:r>
+              <a:rPr lang="sv-SE" sz="5000" smtClean="0">
+                <a:solidFill>
+                  <a:srgbClr val="000000"/>
+                </a:solidFill>
+                <a:latin typeface="Arial" charset="0"/>
+              </a:rPr>
+              <a:t>Results</a:t>
+            </a:r>
+            <a:endParaRPr lang="sv-SE" sz="5000" dirty="0" smtClean="0">
+              <a:solidFill>
+                <a:srgbClr val="000000"/>
+              </a:solidFill>
+              <a:latin typeface="Arial" charset="0"/>
+            </a:endParaRPr>
+          </a:p>
+        </p:txBody>
+      </p:sp>
+      <p:pic>
+        <p:nvPicPr>
+          <p:cNvPr id="1028" name="Picture 4" descr="C:\Users\Bulb\Documents\Teknisk Fysik\15hp project\code\data\glass_3_im_85.jpg"/>
+          <p:cNvPicPr>
+            <a:picLocks noChangeAspect="1" noChangeArrowheads="1"/>
+          </p:cNvPicPr>
+          <p:nvPr/>
+        </p:nvPicPr>
+        <p:blipFill>
+          <a:blip r:embed="rId2">
+            <a:extLst>
+              <a:ext uri="{28A0092B-C50C-407E-A947-70E740481C1C}">
+                <a14:useLocalDpi xmlns:a14="http://schemas.microsoft.com/office/drawing/2010/main" val="0"/>
+              </a:ext>
+            </a:extLst>
+          </a:blip>
+          <a:srcRect/>
+          <a:stretch>
+            <a:fillRect/>
+          </a:stretch>
+        </p:blipFill>
+        <p:spPr bwMode="auto">
+          <a:xfrm>
+            <a:off x="11438099" y="15265076"/>
+            <a:ext cx="1674267" cy="1674267"/>
+          </a:xfrm>
+          <a:prstGeom prst="rect">
+            <a:avLst/>
+          </a:prstGeom>
+          <a:noFill/>
+          <a:extLst>
+            <a:ext uri="{909E8E84-426E-40DD-AFC4-6F175D3DCCD1}">
+              <a14:hiddenFill xmlns:a14="http://schemas.microsoft.com/office/drawing/2010/main">
+                <a:solidFill>
+                  <a:srgbClr val="FFFFFF"/>
+                </a:solidFill>
+              </a14:hiddenFill>
+            </a:ext>
+          </a:extLst>
+        </p:spPr>
+      </p:pic>
+      <p:sp>
+        <p:nvSpPr>
+          <p:cNvPr id="3" name="TextBox 2"/>
+          <p:cNvSpPr txBox="1"/>
+          <p:nvPr/>
+        </p:nvSpPr>
+        <p:spPr>
+          <a:xfrm>
+            <a:off x="6334573" y="13536885"/>
+            <a:ext cx="7387357" cy="2160591"/>
+          </a:xfrm>
+          <a:prstGeom prst="rect">
+            <a:avLst/>
+          </a:prstGeom>
+          <a:noFill/>
+        </p:spPr>
+        <p:txBody>
+          <a:bodyPr wrap="square" rtlCol="0">
+            <a:spAutoFit/>
+          </a:bodyPr>
+          <a:lstStyle/>
+          <a:p>
+            <a:r>
+              <a:rPr lang="en-GB" sz="3200" dirty="0"/>
+              <a:t>The data set consisted of 10274 80x80 images of cells from six patients, three with cancer and three without. </a:t>
+            </a:r>
+            <a:r>
+              <a:rPr lang="en-GB" sz="3200" dirty="0" smtClean="0"/>
+              <a:t>Cells</a:t>
+            </a:r>
+            <a:endParaRPr lang="en-GB" sz="3200" dirty="0"/>
+          </a:p>
+          <a:p>
+            <a:endParaRPr lang="en-GB" sz="3200" dirty="0"/>
+          </a:p>
+        </p:txBody>
+      </p:sp>
+      <p:sp>
+        <p:nvSpPr>
+          <p:cNvPr id="4" name="TextBox 3"/>
+          <p:cNvSpPr txBox="1"/>
+          <p:nvPr/>
+        </p:nvSpPr>
+        <p:spPr>
+          <a:xfrm>
+            <a:off x="6334573" y="15034914"/>
+            <a:ext cx="5256583" cy="2751522"/>
+          </a:xfrm>
+          <a:prstGeom prst="rect">
+            <a:avLst/>
+          </a:prstGeom>
+          <a:noFill/>
+        </p:spPr>
+        <p:txBody>
+          <a:bodyPr wrap="square" rtlCol="0">
+            <a:spAutoFit/>
+          </a:bodyPr>
+          <a:lstStyle/>
+          <a:p>
+            <a:r>
+              <a:rPr lang="en-GB" sz="3200" dirty="0" smtClean="0"/>
+              <a:t>were </a:t>
+            </a:r>
+            <a:r>
+              <a:rPr lang="en-GB" sz="3200" dirty="0"/>
+              <a:t>sampled from the mouth of the patient and placed </a:t>
+            </a:r>
+            <a:r>
+              <a:rPr lang="en-GB" sz="3200" dirty="0" smtClean="0"/>
+              <a:t>on a </a:t>
+            </a:r>
+            <a:r>
+              <a:rPr lang="en-GB" sz="3200" dirty="0"/>
+              <a:t>glass and photographed.</a:t>
+            </a:r>
+          </a:p>
+          <a:p>
+            <a:endParaRPr lang="en-GB" sz="3200" dirty="0"/>
+          </a:p>
+        </p:txBody>
+      </p:sp>
+      <p:sp>
+        <p:nvSpPr>
+          <p:cNvPr id="14" name="Rounded Rectangle 13"/>
+          <p:cNvSpPr/>
+          <p:nvPr/>
+        </p:nvSpPr>
+        <p:spPr bwMode="auto">
+          <a:xfrm>
+            <a:off x="27216893" y="15934485"/>
+            <a:ext cx="7632848" cy="8064896"/>
+          </a:xfrm>
+          <a:prstGeom prst="roundRect">
+            <a:avLst>
+              <a:gd name="adj" fmla="val 4188"/>
+            </a:avLst>
+          </a:prstGeom>
+          <a:ln/>
+        </p:spPr>
+        <p:style>
+          <a:lnRef idx="2">
+            <a:schemeClr val="dk1"/>
+          </a:lnRef>
+          <a:fillRef idx="1">
+            <a:schemeClr val="lt1"/>
+          </a:fillRef>
+          <a:effectRef idx="0">
+            <a:schemeClr val="dk1"/>
+          </a:effectRef>
+          <a:fontRef idx="minor">
+            <a:schemeClr val="dk1"/>
+          </a:fontRef>
+        </p:style>
+        <p:txBody>
+          <a:bodyPr vert="horz" wrap="square" lIns="72000" tIns="72000" rIns="72000" bIns="72000" numCol="1" rtlCol="0" anchor="t" anchorCtr="0" compatLnSpc="1">
+            <a:prstTxWarp prst="textNoShape">
+              <a:avLst/>
+            </a:prstTxWarp>
+          </a:bodyPr>
+          <a:lstStyle/>
+          <a:p>
+            <a:pPr marL="0" marR="0" indent="0" algn="ctr" defTabSz="914400" rtl="0" eaLnBrk="1" fontAlgn="base" latinLnBrk="0" hangingPunct="1">
+              <a:lnSpc>
+                <a:spcPct val="100000"/>
+              </a:lnSpc>
+              <a:spcBef>
+                <a:spcPct val="20000"/>
+              </a:spcBef>
+              <a:spcAft>
+                <a:spcPct val="0"/>
+              </a:spcAft>
+              <a:buClrTx/>
+              <a:buSzTx/>
+              <a:buFontTx/>
+              <a:buNone/>
+              <a:tabLst/>
+            </a:pPr>
+            <a:r>
+              <a:rPr lang="sv-SE" sz="5000" dirty="0" smtClean="0">
+                <a:solidFill>
+                  <a:srgbClr val="000000"/>
+                </a:solidFill>
+                <a:latin typeface="Arial" charset="0"/>
+              </a:rPr>
+              <a:t>Conclusion</a:t>
+            </a:r>
+            <a:endParaRPr lang="sv-SE" sz="5000" dirty="0" smtClean="0">
+              <a:solidFill>
+                <a:srgbClr val="000000"/>
+              </a:solidFill>
               <a:latin typeface="Arial" charset="0"/>
             </a:endParaRPr>
           </a:p>

--- a/poster.pptx
+++ b/poster.pptx
@@ -4761,7 +4761,34 @@
               </a:rPr>
               <a:t>Models</a:t>
             </a:r>
-            <a:endParaRPr lang="sv-SE" sz="5000" dirty="0" smtClean="0">
+          </a:p>
+          <a:p>
+            <a:pPr marL="0" marR="0" indent="0" defTabSz="914400" rtl="0" eaLnBrk="1" fontAlgn="base" latinLnBrk="0" hangingPunct="1">
+              <a:lnSpc>
+                <a:spcPct val="100000"/>
+              </a:lnSpc>
+              <a:spcBef>
+                <a:spcPct val="20000"/>
+              </a:spcBef>
+              <a:spcAft>
+                <a:spcPct val="0"/>
+              </a:spcAft>
+              <a:buClrTx/>
+              <a:buSzTx/>
+              <a:buFontTx/>
+              <a:buNone/>
+              <a:tabLst/>
+            </a:pPr>
+            <a:r>
+              <a:rPr lang="sv-SE" sz="3200" dirty="0" smtClean="0">
+                <a:solidFill>
+                  <a:srgbClr val="000000"/>
+                </a:solidFill>
+                <a:latin typeface="Arial" charset="0"/>
+              </a:rPr>
+              <a:t>Three architechtures where compared</a:t>
+            </a:r>
+            <a:endParaRPr lang="sv-SE" sz="3200" dirty="0" smtClean="0">
               <a:solidFill>
                 <a:srgbClr val="000000"/>
               </a:solidFill>
@@ -4919,7 +4946,7 @@
               <a:tabLst/>
             </a:pPr>
             <a:r>
-              <a:rPr lang="sv-SE" sz="5000" smtClean="0">
+              <a:rPr lang="sv-SE" sz="5000" dirty="0" smtClean="0">
                 <a:solidFill>
                   <a:srgbClr val="000000"/>
                 </a:solidFill>

--- a/poster.pptx
+++ b/poster.pptx
@@ -4786,8 +4786,44 @@
                 </a:solidFill>
                 <a:latin typeface="Arial" charset="0"/>
               </a:rPr>
-              <a:t>Three architechtures where compared</a:t>
-            </a:r>
+              <a:t>Three </a:t>
+            </a:r>
+            <a:r>
+              <a:rPr lang="sv-SE" sz="3200" dirty="0" smtClean="0">
+                <a:solidFill>
+                  <a:srgbClr val="000000"/>
+                </a:solidFill>
+                <a:latin typeface="Arial" charset="0"/>
+              </a:rPr>
+              <a:t>state of the art </a:t>
+            </a:r>
+            <a:r>
+              <a:rPr lang="sv-SE" sz="3200" dirty="0" smtClean="0">
+                <a:solidFill>
+                  <a:srgbClr val="000000"/>
+                </a:solidFill>
+                <a:latin typeface="Arial" charset="0"/>
+              </a:rPr>
+              <a:t>architechtures where used:</a:t>
+            </a:r>
+          </a:p>
+          <a:p>
+            <a:pPr marL="0" marR="0" indent="0" defTabSz="914400" rtl="0" eaLnBrk="1" fontAlgn="base" latinLnBrk="0" hangingPunct="1">
+              <a:lnSpc>
+                <a:spcPct val="100000"/>
+              </a:lnSpc>
+              <a:spcBef>
+                <a:spcPct val="20000"/>
+              </a:spcBef>
+              <a:spcAft>
+                <a:spcPct val="0"/>
+              </a:spcAft>
+              <a:buClrTx/>
+              <a:buSzTx/>
+              <a:buFontTx/>
+              <a:buNone/>
+              <a:tabLst/>
+            </a:pPr>
             <a:endParaRPr lang="sv-SE" sz="3200" dirty="0" smtClean="0">
               <a:solidFill>
                 <a:srgbClr val="000000"/>
@@ -4954,12 +4990,6 @@
               </a:rPr>
               <a:t>Results</a:t>
             </a:r>
-            <a:endParaRPr lang="sv-SE" sz="5000" dirty="0" smtClean="0">
-              <a:solidFill>
-                <a:srgbClr val="000000"/>
-              </a:solidFill>
-              <a:latin typeface="Arial" charset="0"/>
-            </a:endParaRPr>
           </a:p>
         </p:txBody>
       </p:sp>
@@ -5150,12 +5180,6 @@
               </a:rPr>
               <a:t>Conclusion</a:t>
             </a:r>
-            <a:endParaRPr lang="sv-SE" sz="5000" dirty="0" smtClean="0">
-              <a:solidFill>
-                <a:srgbClr val="000000"/>
-              </a:solidFill>
-              <a:latin typeface="Arial" charset="0"/>
-            </a:endParaRPr>
           </a:p>
         </p:txBody>
       </p:sp>

--- a/poster.pptx
+++ b/poster.pptx
@@ -4786,25 +4786,7 @@
                 </a:solidFill>
                 <a:latin typeface="Arial" charset="0"/>
               </a:rPr>
-              <a:t>Three </a:t>
-            </a:r>
-            <a:r>
-              <a:rPr lang="sv-SE" sz="3200" dirty="0" smtClean="0">
-                <a:solidFill>
-                  <a:srgbClr val="000000"/>
-                </a:solidFill>
-                <a:latin typeface="Arial" charset="0"/>
-              </a:rPr>
-              <a:t>state of the art </a:t>
-            </a:r>
-            <a:r>
-              <a:rPr lang="sv-SE" sz="3200" dirty="0" smtClean="0">
-                <a:solidFill>
-                  <a:srgbClr val="000000"/>
-                </a:solidFill>
-                <a:latin typeface="Arial" charset="0"/>
-              </a:rPr>
-              <a:t>architechtures where used:</a:t>
+              <a:t>Three state of the art architechtures where used:</a:t>
             </a:r>
           </a:p>
           <a:p>

--- a/poster.pptx
+++ b/poster.pptx
@@ -4419,7 +4419,7 @@
                   <a:schemeClr val="tx1"/>
                 </a:solidFill>
               </a:rPr>
-              <a:t>Detecting Cancer with Neural Networks</a:t>
+              <a:t>Fighting Cancer with Texture</a:t>
             </a:r>
             <a:endParaRPr lang="en-US" sz="11000" dirty="0">
               <a:solidFill>
@@ -4882,6 +4882,30 @@
             </a:r>
           </a:p>
           <a:p>
+            <a:pPr marL="0" marR="0" indent="0" algn="ctr" defTabSz="914400" rtl="0" eaLnBrk="1" fontAlgn="base" latinLnBrk="0" hangingPunct="1">
+              <a:lnSpc>
+                <a:spcPct val="100000"/>
+              </a:lnSpc>
+              <a:spcBef>
+                <a:spcPct val="20000"/>
+              </a:spcBef>
+              <a:spcAft>
+                <a:spcPct val="0"/>
+              </a:spcAft>
+              <a:buClrTx/>
+              <a:buSzTx/>
+              <a:buFontTx/>
+              <a:buNone/>
+              <a:tabLst/>
+            </a:pPr>
+            <a:endParaRPr lang="sv-SE" sz="5000" dirty="0" smtClean="0">
+              <a:solidFill>
+                <a:srgbClr val="000000"/>
+              </a:solidFill>
+              <a:latin typeface="Arial" charset="0"/>
+            </a:endParaRPr>
+          </a:p>
+          <a:p>
             <a:pPr marL="0" marR="0" indent="0" defTabSz="914400" rtl="0" eaLnBrk="1" fontAlgn="base" latinLnBrk="0" hangingPunct="1">
               <a:lnSpc>
                 <a:spcPct val="100000"/>
@@ -4998,7 +5022,7 @@
         </p:blipFill>
         <p:spPr bwMode="auto">
           <a:xfrm>
-            <a:off x="11438099" y="15265076"/>
+            <a:off x="11438099" y="15232854"/>
             <a:ext cx="1674267" cy="1674267"/>
           </a:xfrm>
           <a:prstGeom prst="rect">

--- a/poster.pptx
+++ b/poster.pptx
@@ -4523,15 +4523,20 @@
         </p:nvSpPr>
         <p:spPr bwMode="auto">
           <a:xfrm>
-            <a:off x="6118549" y="4463877"/>
-            <a:ext cx="7632848" cy="8064896"/>
+            <a:off x="5902525" y="4391869"/>
+            <a:ext cx="7632848" cy="8568952"/>
           </a:xfrm>
           <a:prstGeom prst="roundRect">
             <a:avLst>
               <a:gd name="adj" fmla="val 4188"/>
             </a:avLst>
           </a:prstGeom>
-          <a:ln/>
+          <a:solidFill>
+            <a:schemeClr val="bg1">
+              <a:lumMod val="95000"/>
+            </a:schemeClr>
+          </a:solidFill>
+          <a:ln w="76200"/>
         </p:spPr>
         <p:style>
           <a:lnRef idx="2">
@@ -4548,39 +4553,12 @@
           </a:fontRef>
         </p:style>
         <p:txBody>
-          <a:bodyPr vert="horz" wrap="square" lIns="72000" tIns="72000" rIns="72000" bIns="72000" numCol="1" rtlCol="0" anchor="t" anchorCtr="0" compatLnSpc="1">
+          <a:bodyPr vert="horz" wrap="square" lIns="144000" tIns="72000" rIns="144000" bIns="72000" numCol="1" rtlCol="0" anchor="t" anchorCtr="0" compatLnSpc="1">
             <a:prstTxWarp prst="textNoShape">
               <a:avLst/>
             </a:prstTxWarp>
           </a:bodyPr>
           <a:lstStyle/>
-          <a:p>
-            <a:pPr marL="0" marR="0" indent="0" algn="ctr" defTabSz="914400" rtl="0" eaLnBrk="1" fontAlgn="base" latinLnBrk="0" hangingPunct="1">
-              <a:lnSpc>
-                <a:spcPct val="100000"/>
-              </a:lnSpc>
-              <a:spcBef>
-                <a:spcPct val="20000"/>
-              </a:spcBef>
-              <a:spcAft>
-                <a:spcPct val="0"/>
-              </a:spcAft>
-              <a:buClrTx/>
-              <a:buSzTx/>
-              <a:buFontTx/>
-              <a:buNone/>
-              <a:tabLst/>
-            </a:pPr>
-            <a:r>
-              <a:rPr lang="sv-SE" sz="5000" dirty="0" smtClean="0">
-                <a:solidFill>
-                  <a:srgbClr val="000000"/>
-                </a:solidFill>
-                <a:latin typeface="Arial" charset="0"/>
-              </a:rPr>
-              <a:t>Background</a:t>
-            </a:r>
-          </a:p>
           <a:p>
             <a:pPr marL="0" marR="0" indent="0" defTabSz="914400" rtl="0" eaLnBrk="1" fontAlgn="base" latinLnBrk="0" hangingPunct="1">
               <a:lnSpc>
@@ -4598,6 +4576,30 @@
               <a:buNone/>
               <a:tabLst/>
             </a:pPr>
+            <a:endParaRPr lang="sv-SE" sz="3200" dirty="0" smtClean="0">
+              <a:solidFill>
+                <a:srgbClr val="000000"/>
+              </a:solidFill>
+              <a:latin typeface="Arial" charset="0"/>
+            </a:endParaRPr>
+          </a:p>
+          <a:p>
+            <a:pPr marL="0" marR="0" indent="0" defTabSz="914400" rtl="0" eaLnBrk="1" fontAlgn="base" latinLnBrk="0" hangingPunct="1">
+              <a:lnSpc>
+                <a:spcPct val="100000"/>
+              </a:lnSpc>
+              <a:spcBef>
+                <a:spcPct val="20000"/>
+              </a:spcBef>
+              <a:spcAft>
+                <a:spcPct val="0"/>
+              </a:spcAft>
+              <a:buClrTx/>
+              <a:buSzTx/>
+              <a:buFontTx/>
+              <a:buNone/>
+              <a:tabLst/>
+            </a:pPr>
             <a:r>
               <a:rPr lang="sv-SE" sz="3200" dirty="0" smtClean="0">
                 <a:solidFill>
@@ -4605,8 +4607,89 @@
                 </a:solidFill>
                 <a:latin typeface="Arial" charset="0"/>
               </a:rPr>
-              <a:t>Early detection of cancer plays a major role in reducing cancer mortality. With the advent of convolutional neural networks, it is now possible to classify photgraphed cells as either healthy or cancerous, a task which has previously been exclusive to highly trained professionals.  In this project three novel network architechtures are trained on a cytography images of healthy and cancer cells, and</a:t>
-            </a:r>
+              <a:t>Early </a:t>
+            </a:r>
+            <a:r>
+              <a:rPr lang="sv-SE" sz="3200" dirty="0" smtClean="0">
+                <a:solidFill>
+                  <a:srgbClr val="000000"/>
+                </a:solidFill>
+                <a:latin typeface="Arial" charset="0"/>
+              </a:rPr>
+              <a:t>detection of cancer plays a major role in reducing cancer mortality. With the advent of convolutional neural networks, it is now possible to classify photgraphed cells as either healthy or cancerous, a task which has previously been exclusive to highly trained professionals. </a:t>
+            </a:r>
+            <a:endParaRPr lang="sv-SE" sz="3200" dirty="0" smtClean="0">
+              <a:solidFill>
+                <a:srgbClr val="000000"/>
+              </a:solidFill>
+              <a:latin typeface="Arial" charset="0"/>
+            </a:endParaRPr>
+          </a:p>
+          <a:p>
+            <a:pPr marL="0" marR="0" indent="0" defTabSz="914400" rtl="0" eaLnBrk="1" fontAlgn="base" latinLnBrk="0" hangingPunct="1">
+              <a:lnSpc>
+                <a:spcPct val="100000"/>
+              </a:lnSpc>
+              <a:spcBef>
+                <a:spcPct val="20000"/>
+              </a:spcBef>
+              <a:spcAft>
+                <a:spcPct val="0"/>
+              </a:spcAft>
+              <a:buClrTx/>
+              <a:buSzTx/>
+              <a:buFontTx/>
+              <a:buNone/>
+              <a:tabLst/>
+            </a:pPr>
+            <a:endParaRPr lang="sv-SE" sz="500" dirty="0" smtClean="0">
+              <a:solidFill>
+                <a:srgbClr val="000000"/>
+              </a:solidFill>
+              <a:latin typeface="Arial" charset="0"/>
+            </a:endParaRPr>
+          </a:p>
+          <a:p>
+            <a:pPr marL="0" marR="0" indent="0" defTabSz="914400" rtl="0" eaLnBrk="1" fontAlgn="base" latinLnBrk="0" hangingPunct="1">
+              <a:lnSpc>
+                <a:spcPct val="100000"/>
+              </a:lnSpc>
+              <a:spcBef>
+                <a:spcPct val="20000"/>
+              </a:spcBef>
+              <a:spcAft>
+                <a:spcPct val="0"/>
+              </a:spcAft>
+              <a:buClrTx/>
+              <a:buSzTx/>
+              <a:buFontTx/>
+              <a:buNone/>
+              <a:tabLst/>
+            </a:pPr>
+            <a:r>
+              <a:rPr lang="sv-SE" sz="3200" dirty="0" smtClean="0">
+                <a:solidFill>
+                  <a:srgbClr val="000000"/>
+                </a:solidFill>
+                <a:latin typeface="Arial" charset="0"/>
+              </a:rPr>
+              <a:t>Local binary patterns are very good att identifying textures, which has been hypothesized to be of importance in cell classification. In this project three novel LBP based networks are </a:t>
+            </a:r>
+            <a:r>
+              <a:rPr lang="sv-SE" sz="3200" dirty="0" smtClean="0">
+                <a:solidFill>
+                  <a:srgbClr val="000000"/>
+                </a:solidFill>
+                <a:latin typeface="Arial" charset="0"/>
+              </a:rPr>
+              <a:t>tuned and compared to conventional network architechtures.</a:t>
+            </a:r>
+            <a:endParaRPr lang="sv-SE" sz="3200" dirty="0" smtClean="0">
+              <a:solidFill>
+                <a:srgbClr val="000000"/>
+              </a:solidFill>
+              <a:latin typeface="Arial" charset="0"/>
+            </a:endParaRPr>
           </a:p>
         </p:txBody>
       </p:sp>
@@ -4618,7 +4701,7 @@
         </p:nvSpPr>
         <p:spPr bwMode="auto">
           <a:xfrm>
-            <a:off x="17135773" y="6480101"/>
+            <a:off x="8998869" y="16057165"/>
             <a:ext cx="5616624" cy="3744416"/>
           </a:xfrm>
           <a:prstGeom prst="roundRect">
@@ -4698,21 +4781,72 @@
       </p:sp>
       <p:sp>
         <p:nvSpPr>
-          <p:cNvPr id="8" name="Rounded Rectangle 7"/>
+          <p:cNvPr id="11" name="TextBox 10"/>
+          <p:cNvSpPr txBox="1"/>
+          <p:nvPr/>
+        </p:nvSpPr>
+        <p:spPr>
+          <a:xfrm>
+            <a:off x="7846741" y="3959821"/>
+            <a:ext cx="3888432" cy="800219"/>
+          </a:xfrm>
+          <a:prstGeom prst="rect">
+            <a:avLst/>
+          </a:prstGeom>
+          <a:solidFill>
+            <a:srgbClr val="B40000"/>
+          </a:solidFill>
+          <a:ln w="57150">
+            <a:solidFill>
+              <a:schemeClr val="tx1"/>
+            </a:solidFill>
+          </a:ln>
+        </p:spPr>
+        <p:txBody>
+          <a:bodyPr wrap="square" rtlCol="0">
+            <a:spAutoFit/>
+          </a:bodyPr>
+          <a:lstStyle/>
+          <a:p>
+            <a:pPr algn="ctr"/>
+            <a:r>
+              <a:rPr lang="sv-SE" b="1" dirty="0" smtClean="0">
+                <a:solidFill>
+                  <a:schemeClr val="accent3"/>
+                </a:solidFill>
+              </a:rPr>
+              <a:t>Background</a:t>
+            </a:r>
+            <a:endParaRPr lang="en-GB" b="1" dirty="0">
+              <a:solidFill>
+                <a:schemeClr val="accent3"/>
+              </a:solidFill>
+            </a:endParaRPr>
+          </a:p>
+        </p:txBody>
+      </p:sp>
+      <p:sp>
+        <p:nvSpPr>
+          <p:cNvPr id="16" name="Rounded Rectangle 15"/>
           <p:cNvSpPr/>
           <p:nvPr/>
         </p:nvSpPr>
         <p:spPr bwMode="auto">
           <a:xfrm>
-            <a:off x="14183445" y="4463877"/>
-            <a:ext cx="7632848" cy="8064896"/>
+            <a:off x="5902525" y="14089394"/>
+            <a:ext cx="7632848" cy="4776083"/>
           </a:xfrm>
           <a:prstGeom prst="roundRect">
             <a:avLst>
               <a:gd name="adj" fmla="val 4188"/>
             </a:avLst>
           </a:prstGeom>
-          <a:ln/>
+          <a:solidFill>
+            <a:schemeClr val="bg1">
+              <a:lumMod val="95000"/>
+            </a:schemeClr>
+          </a:solidFill>
+          <a:ln w="76200"/>
         </p:spPr>
         <p:style>
           <a:lnRef idx="2">
@@ -4729,39 +4863,12 @@
           </a:fontRef>
         </p:style>
         <p:txBody>
-          <a:bodyPr vert="horz" wrap="square" lIns="72000" tIns="72000" rIns="72000" bIns="72000" numCol="1" rtlCol="0" anchor="t" anchorCtr="0" compatLnSpc="1">
+          <a:bodyPr vert="horz" wrap="square" lIns="144000" tIns="72000" rIns="144000" bIns="72000" numCol="1" rtlCol="0" anchor="t" anchorCtr="0" compatLnSpc="1">
             <a:prstTxWarp prst="textNoShape">
               <a:avLst/>
             </a:prstTxWarp>
           </a:bodyPr>
           <a:lstStyle/>
-          <a:p>
-            <a:pPr marL="0" marR="0" indent="0" algn="ctr" defTabSz="914400" rtl="0" eaLnBrk="1" fontAlgn="base" latinLnBrk="0" hangingPunct="1">
-              <a:lnSpc>
-                <a:spcPct val="100000"/>
-              </a:lnSpc>
-              <a:spcBef>
-                <a:spcPct val="20000"/>
-              </a:spcBef>
-              <a:spcAft>
-                <a:spcPct val="0"/>
-              </a:spcAft>
-              <a:buClrTx/>
-              <a:buSzTx/>
-              <a:buFontTx/>
-              <a:buNone/>
-              <a:tabLst/>
-            </a:pPr>
-            <a:r>
-              <a:rPr lang="sv-SE" sz="5000" dirty="0" smtClean="0">
-                <a:solidFill>
-                  <a:srgbClr val="000000"/>
-                </a:solidFill>
-                <a:latin typeface="Arial" charset="0"/>
-              </a:rPr>
-              <a:t>Models</a:t>
-            </a:r>
-          </a:p>
           <a:p>
             <a:pPr marL="0" marR="0" indent="0" defTabSz="914400" rtl="0" eaLnBrk="1" fontAlgn="base" latinLnBrk="0" hangingPunct="1">
               <a:lnSpc>
@@ -4779,33 +4886,6 @@
               <a:buNone/>
               <a:tabLst/>
             </a:pPr>
-            <a:r>
-              <a:rPr lang="sv-SE" sz="3200" dirty="0" smtClean="0">
-                <a:solidFill>
-                  <a:srgbClr val="000000"/>
-                </a:solidFill>
-                <a:latin typeface="Arial" charset="0"/>
-              </a:rPr>
-              <a:t>Three state of the art architechtures where used:</a:t>
-            </a:r>
-          </a:p>
-          <a:p>
-            <a:pPr marL="0" marR="0" indent="0" defTabSz="914400" rtl="0" eaLnBrk="1" fontAlgn="base" latinLnBrk="0" hangingPunct="1">
-              <a:lnSpc>
-                <a:spcPct val="100000"/>
-              </a:lnSpc>
-              <a:spcBef>
-                <a:spcPct val="20000"/>
-              </a:spcBef>
-              <a:spcAft>
-                <a:spcPct val="0"/>
-              </a:spcAft>
-              <a:buClrTx/>
-              <a:buSzTx/>
-              <a:buFontTx/>
-              <a:buNone/>
-              <a:tabLst/>
-            </a:pPr>
             <a:endParaRPr lang="sv-SE" sz="3200" dirty="0" smtClean="0">
               <a:solidFill>
                 <a:srgbClr val="000000"/>
@@ -4817,185 +4897,47 @@
       </p:sp>
       <p:sp>
         <p:nvSpPr>
-          <p:cNvPr id="10" name="Rounded Rectangle 9"/>
-          <p:cNvSpPr/>
+          <p:cNvPr id="17" name="TextBox 16"/>
+          <p:cNvSpPr txBox="1"/>
           <p:nvPr/>
         </p:nvSpPr>
-        <p:spPr bwMode="auto">
+        <p:spPr>
           <a:xfrm>
-            <a:off x="6089082" y="12874673"/>
-            <a:ext cx="7632848" cy="4550643"/>
+            <a:off x="8638829" y="13657346"/>
+            <a:ext cx="2160240" cy="800219"/>
           </a:xfrm>
-          <a:prstGeom prst="roundRect">
-            <a:avLst>
-              <a:gd name="adj" fmla="val 4188"/>
-            </a:avLst>
+          <a:prstGeom prst="rect">
+            <a:avLst/>
           </a:prstGeom>
-          <a:ln/>
+          <a:solidFill>
+            <a:srgbClr val="B40000"/>
+          </a:solidFill>
+          <a:ln w="57150">
+            <a:solidFill>
+              <a:schemeClr val="tx1"/>
+            </a:solidFill>
+          </a:ln>
         </p:spPr>
-        <p:style>
-          <a:lnRef idx="2">
-            <a:schemeClr val="dk1"/>
-          </a:lnRef>
-          <a:fillRef idx="1">
-            <a:schemeClr val="lt1"/>
-          </a:fillRef>
-          <a:effectRef idx="0">
-            <a:schemeClr val="dk1"/>
-          </a:effectRef>
-          <a:fontRef idx="minor">
-            <a:schemeClr val="dk1"/>
-          </a:fontRef>
-        </p:style>
-        <p:txBody>
-          <a:bodyPr vert="horz" wrap="square" lIns="72000" tIns="72000" rIns="72000" bIns="72000" numCol="1" rtlCol="0" anchor="t" anchorCtr="0" compatLnSpc="1">
-            <a:prstTxWarp prst="textNoShape">
-              <a:avLst/>
-            </a:prstTxWarp>
+        <p:txBody>
+          <a:bodyPr wrap="square" rtlCol="0">
+            <a:spAutoFit/>
           </a:bodyPr>
           <a:lstStyle/>
           <a:p>
-            <a:pPr marL="0" marR="0" indent="0" algn="ctr" defTabSz="914400" rtl="0" eaLnBrk="1" fontAlgn="base" latinLnBrk="0" hangingPunct="1">
-              <a:lnSpc>
-                <a:spcPct val="100000"/>
-              </a:lnSpc>
-              <a:spcBef>
-                <a:spcPct val="20000"/>
-              </a:spcBef>
-              <a:spcAft>
-                <a:spcPct val="0"/>
-              </a:spcAft>
-              <a:buClrTx/>
-              <a:buSzTx/>
-              <a:buFontTx/>
-              <a:buNone/>
-              <a:tabLst/>
-            </a:pPr>
-            <a:r>
-              <a:rPr lang="sv-SE" sz="5000" dirty="0" smtClean="0">
+            <a:pPr algn="ctr"/>
+            <a:r>
+              <a:rPr lang="sv-SE" b="1" dirty="0" smtClean="0">
                 <a:solidFill>
-                  <a:srgbClr val="000000"/>
+                  <a:schemeClr val="accent3"/>
                 </a:solidFill>
-                <a:latin typeface="Arial" charset="0"/>
               </a:rPr>
               <a:t>Data</a:t>
             </a:r>
-          </a:p>
-          <a:p>
-            <a:pPr marL="0" marR="0" indent="0" algn="ctr" defTabSz="914400" rtl="0" eaLnBrk="1" fontAlgn="base" latinLnBrk="0" hangingPunct="1">
-              <a:lnSpc>
-                <a:spcPct val="100000"/>
-              </a:lnSpc>
-              <a:spcBef>
-                <a:spcPct val="20000"/>
-              </a:spcBef>
-              <a:spcAft>
-                <a:spcPct val="0"/>
-              </a:spcAft>
-              <a:buClrTx/>
-              <a:buSzTx/>
-              <a:buFontTx/>
-              <a:buNone/>
-              <a:tabLst/>
-            </a:pPr>
-            <a:endParaRPr lang="sv-SE" sz="5000" dirty="0" smtClean="0">
+            <a:endParaRPr lang="en-GB" b="1" dirty="0">
               <a:solidFill>
-                <a:srgbClr val="000000"/>
+                <a:schemeClr val="accent3"/>
               </a:solidFill>
-              <a:latin typeface="Arial" charset="0"/>
             </a:endParaRPr>
-          </a:p>
-          <a:p>
-            <a:pPr marL="0" marR="0" indent="0" defTabSz="914400" rtl="0" eaLnBrk="1" fontAlgn="base" latinLnBrk="0" hangingPunct="1">
-              <a:lnSpc>
-                <a:spcPct val="100000"/>
-              </a:lnSpc>
-              <a:spcBef>
-                <a:spcPct val="20000"/>
-              </a:spcBef>
-              <a:spcAft>
-                <a:spcPct val="0"/>
-              </a:spcAft>
-              <a:buClrTx/>
-              <a:buSzTx/>
-              <a:buFontTx/>
-              <a:buNone/>
-              <a:tabLst/>
-            </a:pPr>
-            <a:endParaRPr lang="sv-SE" sz="5000" dirty="0" smtClean="0">
-              <a:solidFill>
-                <a:srgbClr val="000000"/>
-              </a:solidFill>
-              <a:latin typeface="Arial" charset="0"/>
-            </a:endParaRPr>
-          </a:p>
-        </p:txBody>
-      </p:sp>
-      <p:sp>
-        <p:nvSpPr>
-          <p:cNvPr id="9" name="Rounded Rectangle 8"/>
-          <p:cNvSpPr/>
-          <p:nvPr/>
-        </p:nvSpPr>
-        <p:spPr bwMode="auto">
-          <a:xfrm>
-            <a:off x="14183445" y="12874673"/>
-            <a:ext cx="7632848" cy="8064896"/>
-          </a:xfrm>
-          <a:prstGeom prst="roundRect">
-            <a:avLst>
-              <a:gd name="adj" fmla="val 4188"/>
-            </a:avLst>
-          </a:prstGeom>
-          <a:ln/>
-        </p:spPr>
-        <p:style>
-          <a:lnRef idx="2">
-            <a:schemeClr val="dk1"/>
-          </a:lnRef>
-          <a:fillRef idx="1">
-            <a:schemeClr val="lt1"/>
-          </a:fillRef>
-          <a:effectRef idx="0">
-            <a:schemeClr val="dk1"/>
-          </a:effectRef>
-          <a:fontRef idx="minor">
-            <a:schemeClr val="dk1"/>
-          </a:fontRef>
-        </p:style>
-        <p:txBody>
-          <a:bodyPr vert="horz" wrap="square" lIns="72000" tIns="72000" rIns="72000" bIns="72000" numCol="1" rtlCol="0" anchor="t" anchorCtr="0" compatLnSpc="1">
-            <a:prstTxWarp prst="textNoShape">
-              <a:avLst/>
-            </a:prstTxWarp>
-          </a:bodyPr>
-          <a:lstStyle/>
-          <a:p>
-            <a:pPr marL="0" marR="0" indent="0" algn="ctr" defTabSz="914400" rtl="0" eaLnBrk="1" fontAlgn="base" latinLnBrk="0" hangingPunct="1">
-              <a:lnSpc>
-                <a:spcPct val="100000"/>
-              </a:lnSpc>
-              <a:spcBef>
-                <a:spcPct val="20000"/>
-              </a:spcBef>
-              <a:spcAft>
-                <a:spcPct val="0"/>
-              </a:spcAft>
-              <a:buClrTx/>
-              <a:buSzTx/>
-              <a:buFontTx/>
-              <a:buNone/>
-              <a:tabLst/>
-            </a:pPr>
-            <a:r>
-              <a:rPr lang="sv-SE" sz="5000" dirty="0" smtClean="0">
-                <a:solidFill>
-                  <a:srgbClr val="000000"/>
-                </a:solidFill>
-                <a:latin typeface="Arial" charset="0"/>
-              </a:rPr>
-              <a:t>Results</a:t>
-            </a:r>
           </a:p>
         </p:txBody>
       </p:sp>
@@ -5022,7 +4964,7 @@
         </p:blipFill>
         <p:spPr bwMode="auto">
           <a:xfrm>
-            <a:off x="11438099" y="15232854"/>
+            <a:off x="11104364" y="16626368"/>
             <a:ext cx="1674267" cy="1674267"/>
           </a:xfrm>
           <a:prstGeom prst="rect">
@@ -5048,7 +4990,7 @@
         </p:nvSpPr>
         <p:spPr>
           <a:xfrm>
-            <a:off x="6334573" y="13536885"/>
+            <a:off x="6058149" y="14833029"/>
             <a:ext cx="7387357" cy="2160591"/>
           </a:xfrm>
           <a:prstGeom prst="rect">
@@ -5085,7 +5027,7 @@
         </p:nvSpPr>
         <p:spPr>
           <a:xfrm>
-            <a:off x="6334573" y="15034914"/>
+            <a:off x="6058149" y="16331058"/>
             <a:ext cx="5256583" cy="2751522"/>
           </a:xfrm>
           <a:prstGeom prst="rect">
@@ -5123,21 +5065,26 @@
       </p:sp>
       <p:sp>
         <p:nvSpPr>
-          <p:cNvPr id="14" name="Rounded Rectangle 13"/>
+          <p:cNvPr id="18" name="Rounded Rectangle 17"/>
           <p:cNvSpPr/>
           <p:nvPr/>
         </p:nvSpPr>
         <p:spPr bwMode="auto">
           <a:xfrm>
-            <a:off x="27216893" y="15934485"/>
-            <a:ext cx="7632848" cy="8064896"/>
+            <a:off x="13967421" y="4391869"/>
+            <a:ext cx="7632848" cy="8568952"/>
           </a:xfrm>
           <a:prstGeom prst="roundRect">
             <a:avLst>
               <a:gd name="adj" fmla="val 4188"/>
             </a:avLst>
           </a:prstGeom>
-          <a:ln/>
+          <a:solidFill>
+            <a:schemeClr val="bg1">
+              <a:lumMod val="95000"/>
+            </a:schemeClr>
+          </a:solidFill>
+          <a:ln w="76200"/>
         </p:spPr>
         <p:style>
           <a:lnRef idx="2">
@@ -5154,14 +5101,14 @@
           </a:fontRef>
         </p:style>
         <p:txBody>
-          <a:bodyPr vert="horz" wrap="square" lIns="72000" tIns="72000" rIns="72000" bIns="72000" numCol="1" rtlCol="0" anchor="t" anchorCtr="0" compatLnSpc="1">
+          <a:bodyPr vert="horz" wrap="square" lIns="144000" tIns="72000" rIns="144000" bIns="72000" numCol="1" rtlCol="0" anchor="t" anchorCtr="0" compatLnSpc="1">
             <a:prstTxWarp prst="textNoShape">
               <a:avLst/>
             </a:prstTxWarp>
           </a:bodyPr>
           <a:lstStyle/>
           <a:p>
-            <a:pPr marL="0" marR="0" indent="0" algn="ctr" defTabSz="914400" rtl="0" eaLnBrk="1" fontAlgn="base" latinLnBrk="0" hangingPunct="1">
+            <a:pPr marL="0" marR="0" indent="0" defTabSz="914400" rtl="0" eaLnBrk="1" fontAlgn="base" latinLnBrk="0" hangingPunct="1">
               <a:lnSpc>
                 <a:spcPct val="100000"/>
               </a:lnSpc>
@@ -5177,14 +5124,216 @@
               <a:buNone/>
               <a:tabLst/>
             </a:pPr>
-            <a:r>
-              <a:rPr lang="sv-SE" sz="5000" dirty="0" smtClean="0">
+            <a:endParaRPr lang="sv-SE" sz="3200" dirty="0" smtClean="0">
+              <a:solidFill>
+                <a:srgbClr val="000000"/>
+              </a:solidFill>
+              <a:latin typeface="Arial" charset="0"/>
+            </a:endParaRPr>
+          </a:p>
+          <a:p>
+            <a:r>
+              <a:rPr lang="sv-SE" sz="3200" dirty="0"/>
+              <a:t>Concieved by Ojala et al in 1996 and extended in 2002. [1]</a:t>
+            </a:r>
+          </a:p>
+        </p:txBody>
+      </p:sp>
+      <p:sp>
+        <p:nvSpPr>
+          <p:cNvPr id="21" name="Rounded Rectangle 20"/>
+          <p:cNvSpPr/>
+          <p:nvPr/>
+        </p:nvSpPr>
+        <p:spPr bwMode="auto">
+          <a:xfrm>
+            <a:off x="5686501" y="23401981"/>
+            <a:ext cx="28803200" cy="1603070"/>
+          </a:xfrm>
+          <a:prstGeom prst="roundRect">
+            <a:avLst>
+              <a:gd name="adj" fmla="val 4188"/>
+            </a:avLst>
+          </a:prstGeom>
+          <a:solidFill>
+            <a:schemeClr val="bg1">
+              <a:lumMod val="95000"/>
+            </a:schemeClr>
+          </a:solidFill>
+          <a:ln w="76200"/>
+        </p:spPr>
+        <p:style>
+          <a:lnRef idx="2">
+            <a:schemeClr val="dk1"/>
+          </a:lnRef>
+          <a:fillRef idx="1">
+            <a:schemeClr val="lt1"/>
+          </a:fillRef>
+          <a:effectRef idx="0">
+            <a:schemeClr val="dk1"/>
+          </a:effectRef>
+          <a:fontRef idx="minor">
+            <a:schemeClr val="dk1"/>
+          </a:fontRef>
+        </p:style>
+        <p:txBody>
+          <a:bodyPr vert="horz" wrap="square" lIns="144000" tIns="72000" rIns="144000" bIns="72000" numCol="1" rtlCol="0" anchor="t" anchorCtr="0" compatLnSpc="1">
+            <a:prstTxWarp prst="textNoShape">
+              <a:avLst/>
+            </a:prstTxWarp>
+          </a:bodyPr>
+          <a:lstStyle/>
+          <a:p>
+            <a:pPr marL="0" marR="0" indent="0" defTabSz="914400" rtl="0" eaLnBrk="1" fontAlgn="base" latinLnBrk="0" hangingPunct="1">
+              <a:lnSpc>
+                <a:spcPct val="100000"/>
+              </a:lnSpc>
+              <a:spcBef>
+                <a:spcPct val="20000"/>
+              </a:spcBef>
+              <a:spcAft>
+                <a:spcPct val="0"/>
+              </a:spcAft>
+              <a:buClrTx/>
+              <a:buSzTx/>
+              <a:buFontTx/>
+              <a:buNone/>
+              <a:tabLst/>
+            </a:pPr>
+            <a:endParaRPr lang="sv-SE" sz="3200" dirty="0" smtClean="0">
+              <a:solidFill>
+                <a:srgbClr val="000000"/>
+              </a:solidFill>
+              <a:latin typeface="Arial" charset="0"/>
+            </a:endParaRPr>
+          </a:p>
+        </p:txBody>
+      </p:sp>
+      <p:sp>
+        <p:nvSpPr>
+          <p:cNvPr id="19" name="TextBox 18"/>
+          <p:cNvSpPr txBox="1"/>
+          <p:nvPr/>
+        </p:nvSpPr>
+        <p:spPr>
+          <a:xfrm>
+            <a:off x="14615493" y="3959821"/>
+            <a:ext cx="6408712" cy="800219"/>
+          </a:xfrm>
+          <a:prstGeom prst="rect">
+            <a:avLst/>
+          </a:prstGeom>
+          <a:solidFill>
+            <a:srgbClr val="B40000"/>
+          </a:solidFill>
+          <a:ln w="57150">
+            <a:solidFill>
+              <a:schemeClr val="tx1"/>
+            </a:solidFill>
+          </a:ln>
+        </p:spPr>
+        <p:txBody>
+          <a:bodyPr wrap="square" rtlCol="0">
+            <a:spAutoFit/>
+          </a:bodyPr>
+          <a:lstStyle/>
+          <a:p>
+            <a:pPr algn="ctr"/>
+            <a:r>
+              <a:rPr lang="sv-SE" b="1" dirty="0" smtClean="0">
                 <a:solidFill>
-                  <a:srgbClr val="000000"/>
+                  <a:schemeClr val="accent3"/>
                 </a:solidFill>
-                <a:latin typeface="Arial" charset="0"/>
               </a:rPr>
-              <a:t>Conclusion</a:t>
+              <a:t>Local Binary Patterns</a:t>
+            </a:r>
+            <a:endParaRPr lang="en-GB" b="1" dirty="0">
+              <a:solidFill>
+                <a:schemeClr val="accent3"/>
+              </a:solidFill>
+            </a:endParaRPr>
+          </a:p>
+        </p:txBody>
+      </p:sp>
+      <p:sp>
+        <p:nvSpPr>
+          <p:cNvPr id="20" name="TextBox 19"/>
+          <p:cNvSpPr txBox="1"/>
+          <p:nvPr/>
+        </p:nvSpPr>
+        <p:spPr>
+          <a:xfrm>
+            <a:off x="6262565" y="23690013"/>
+            <a:ext cx="27219024" cy="1107996"/>
+          </a:xfrm>
+          <a:prstGeom prst="rect">
+            <a:avLst/>
+          </a:prstGeom>
+          <a:noFill/>
+        </p:spPr>
+        <p:txBody>
+          <a:bodyPr wrap="square" rtlCol="0">
+            <a:spAutoFit/>
+          </a:bodyPr>
+          <a:lstStyle/>
+          <a:p>
+            <a:r>
+              <a:rPr lang="fi-FI" sz="3000" dirty="0" smtClean="0"/>
+              <a:t>[1]   Timo </a:t>
+            </a:r>
+            <a:r>
+              <a:rPr lang="fi-FI" sz="3000" dirty="0"/>
+              <a:t>Ojala, Matti Pietikainen, and Topi Maenpaa. </a:t>
+            </a:r>
+            <a:r>
+              <a:rPr lang="fi-FI" sz="3000" i="1" dirty="0" smtClean="0"/>
+              <a:t>Multiresolution </a:t>
+            </a:r>
+            <a:r>
+              <a:rPr lang="en-GB" sz="3000" i="1" dirty="0" err="1" smtClean="0"/>
+              <a:t>gray</a:t>
+            </a:r>
+            <a:r>
+              <a:rPr lang="en-GB" sz="3000" i="1" dirty="0" smtClean="0"/>
+              <a:t>-scale </a:t>
+            </a:r>
+            <a:r>
+              <a:rPr lang="en-GB" sz="3000" i="1" dirty="0"/>
+              <a:t>and rotation </a:t>
+            </a:r>
+            <a:r>
+              <a:rPr lang="en-GB" sz="3000" i="1" dirty="0" smtClean="0"/>
+              <a:t>invariant texture </a:t>
+            </a:r>
+            <a:r>
+              <a:rPr lang="en-GB" sz="3000" i="1" dirty="0"/>
+              <a:t>classification with local </a:t>
+            </a:r>
+            <a:r>
+              <a:rPr lang="en-GB" sz="3000" i="1" dirty="0" smtClean="0"/>
+              <a:t>binary patterns</a:t>
+            </a:r>
+            <a:r>
+              <a:rPr lang="en-GB" sz="3000" dirty="0" smtClean="0"/>
+              <a:t>.</a:t>
+            </a:r>
+          </a:p>
+          <a:p>
+            <a:r>
+              <a:rPr lang="en-GB" sz="3000" dirty="0" smtClean="0"/>
+              <a:t> </a:t>
+            </a:r>
+            <a:r>
+              <a:rPr lang="en-GB" sz="3000" dirty="0"/>
+              <a:t>IEEE Transactions on pattern analysis and </a:t>
+            </a:r>
+            <a:r>
+              <a:rPr lang="en-GB" sz="3000" dirty="0" smtClean="0"/>
+              <a:t>machine intelligence</a:t>
+            </a:r>
+            <a:r>
+              <a:rPr lang="en-GB" sz="3000" dirty="0"/>
+              <a:t>, 24(7):971–987, 2002.</a:t>
             </a:r>
           </a:p>
         </p:txBody>

--- a/poster.pptx
+++ b/poster.pptx
@@ -4404,6 +4404,10 @@
           </p:nvPr>
         </p:nvSpPr>
         <p:spPr>
+          <a:xfrm>
+            <a:off x="7054850" y="215405"/>
+            <a:ext cx="28019375" cy="2801937"/>
+          </a:xfrm>
           <a:ln w="76200">
             <a:noFill/>
             <a:prstDash val="sysDot"/>
@@ -4413,6 +4417,7 @@
           <a:bodyPr/>
           <a:lstStyle/>
           <a:p>
+            <a:pPr algn="ctr"/>
             <a:r>
               <a:rPr lang="en-US" sz="11000" dirty="0" smtClean="0">
                 <a:solidFill>
@@ -4523,8 +4528,8 @@
         </p:nvSpPr>
         <p:spPr bwMode="auto">
           <a:xfrm>
-            <a:off x="5902525" y="4391869"/>
-            <a:ext cx="7632848" cy="8568952"/>
+            <a:off x="6262565" y="3642844"/>
+            <a:ext cx="9001000" cy="9089600"/>
           </a:xfrm>
           <a:prstGeom prst="roundRect">
             <a:avLst>
@@ -4576,7 +4581,7 @@
               <a:buNone/>
               <a:tabLst/>
             </a:pPr>
-            <a:endParaRPr lang="sv-SE" sz="3200" dirty="0" smtClean="0">
+            <a:endParaRPr lang="sv-SE" sz="1800" dirty="0" smtClean="0">
               <a:solidFill>
                 <a:srgbClr val="000000"/>
               </a:solidFill>
@@ -4601,24 +4606,105 @@
               <a:tabLst/>
             </a:pPr>
             <a:r>
-              <a:rPr lang="sv-SE" sz="3200" dirty="0" smtClean="0">
+              <a:rPr lang="sv-SE" sz="3600" dirty="0" smtClean="0">
                 <a:solidFill>
                   <a:srgbClr val="000000"/>
                 </a:solidFill>
                 <a:latin typeface="Arial" charset="0"/>
               </a:rPr>
-              <a:t>Early </a:t>
-            </a:r>
-            <a:r>
-              <a:rPr lang="sv-SE" sz="3200" dirty="0" smtClean="0">
+              <a:t>Early detection of cancer plays a major role in reducing cancer mortality. With </a:t>
+            </a:r>
+            <a:r>
+              <a:rPr lang="sv-SE" sz="3600" dirty="0" smtClean="0">
                 <a:solidFill>
                   <a:srgbClr val="000000"/>
                 </a:solidFill>
                 <a:latin typeface="Arial" charset="0"/>
               </a:rPr>
-              <a:t>detection of cancer plays a major role in reducing cancer mortality. With the advent of convolutional neural networks, it is now possible to classify photgraphed cells as either healthy or cancerous, a task which has previously been exclusive to highly trained professionals. </a:t>
-            </a:r>
-            <a:endParaRPr lang="sv-SE" sz="3200" dirty="0" smtClean="0">
+              <a:t>deep </a:t>
+            </a:r>
+            <a:r>
+              <a:rPr lang="sv-SE" sz="3600" dirty="0" smtClean="0">
+                <a:solidFill>
+                  <a:srgbClr val="000000"/>
+                </a:solidFill>
+                <a:latin typeface="Arial" charset="0"/>
+              </a:rPr>
+              <a:t>convolutional neural networks, it is </a:t>
+            </a:r>
+            <a:r>
+              <a:rPr lang="sv-SE" sz="3600" dirty="0" smtClean="0">
+                <a:solidFill>
+                  <a:srgbClr val="000000"/>
+                </a:solidFill>
+                <a:latin typeface="Arial" charset="0"/>
+              </a:rPr>
+              <a:t>becoming possible to automatically </a:t>
+            </a:r>
+            <a:r>
+              <a:rPr lang="sv-SE" sz="3600" dirty="0" smtClean="0">
+                <a:solidFill>
+                  <a:srgbClr val="000000"/>
+                </a:solidFill>
+                <a:latin typeface="Arial" charset="0"/>
+              </a:rPr>
+              <a:t>classify </a:t>
+            </a:r>
+            <a:r>
+              <a:rPr lang="sv-SE" sz="3600" dirty="0" smtClean="0">
+                <a:solidFill>
+                  <a:srgbClr val="000000"/>
+                </a:solidFill>
+                <a:latin typeface="Arial" charset="0"/>
+              </a:rPr>
+              <a:t>cell images </a:t>
+            </a:r>
+            <a:r>
+              <a:rPr lang="sv-SE" sz="3600" dirty="0" smtClean="0">
+                <a:solidFill>
+                  <a:srgbClr val="000000"/>
+                </a:solidFill>
+                <a:latin typeface="Arial" charset="0"/>
+              </a:rPr>
+              <a:t>as either healthy or cancerous, a </a:t>
+            </a:r>
+            <a:r>
+              <a:rPr lang="sv-SE" sz="3600" dirty="0" smtClean="0">
+                <a:solidFill>
+                  <a:srgbClr val="000000"/>
+                </a:solidFill>
+                <a:latin typeface="Arial" charset="0"/>
+              </a:rPr>
+              <a:t>task </a:t>
+            </a:r>
+            <a:r>
+              <a:rPr lang="sv-SE" sz="3600" dirty="0" smtClean="0">
+                <a:solidFill>
+                  <a:srgbClr val="000000"/>
+                </a:solidFill>
+                <a:latin typeface="Arial" charset="0"/>
+              </a:rPr>
+              <a:t>previously </a:t>
+            </a:r>
+            <a:r>
+              <a:rPr lang="sv-SE" sz="3600" dirty="0" smtClean="0">
+                <a:solidFill>
+                  <a:srgbClr val="000000"/>
+                </a:solidFill>
+                <a:latin typeface="Arial" charset="0"/>
+              </a:rPr>
+              <a:t>done manually by highly </a:t>
+            </a:r>
+            <a:r>
+              <a:rPr lang="sv-SE" sz="3600" dirty="0" smtClean="0">
+                <a:solidFill>
+                  <a:srgbClr val="000000"/>
+                </a:solidFill>
+                <a:latin typeface="Arial" charset="0"/>
+              </a:rPr>
+              <a:t>trained professionals. </a:t>
+            </a:r>
+            <a:endParaRPr lang="sv-SE" sz="3600" dirty="0" smtClean="0">
               <a:solidFill>
                 <a:srgbClr val="000000"/>
               </a:solidFill>
@@ -4642,7 +4728,7 @@
               <a:buNone/>
               <a:tabLst/>
             </a:pPr>
-            <a:endParaRPr lang="sv-SE" sz="500" dirty="0" smtClean="0">
+            <a:endParaRPr lang="sv-SE" sz="1100" dirty="0" smtClean="0">
               <a:solidFill>
                 <a:srgbClr val="000000"/>
               </a:solidFill>
@@ -4667,29 +4753,68 @@
               <a:tabLst/>
             </a:pPr>
             <a:r>
-              <a:rPr lang="sv-SE" sz="3200" dirty="0" smtClean="0">
+              <a:rPr lang="sv-SE" sz="3600" dirty="0" smtClean="0">
                 <a:solidFill>
                   <a:srgbClr val="000000"/>
                 </a:solidFill>
                 <a:latin typeface="Arial" charset="0"/>
               </a:rPr>
-              <a:t>Local binary patterns are very good att identifying textures, which has been hypothesized to be of importance in cell classification. In this project three novel LBP based networks are </a:t>
-            </a:r>
-            <a:r>
-              <a:rPr lang="sv-SE" sz="3200" dirty="0" smtClean="0">
+              <a:t>Local </a:t>
+            </a:r>
+            <a:r>
+              <a:rPr lang="sv-SE" sz="3600" dirty="0" smtClean="0">
                 <a:solidFill>
                   <a:srgbClr val="000000"/>
                 </a:solidFill>
                 <a:latin typeface="Arial" charset="0"/>
               </a:rPr>
-              <a:t>tuned and compared to conventional network architechtures.</a:t>
-            </a:r>
-            <a:endParaRPr lang="sv-SE" sz="3200" dirty="0" smtClean="0">
-              <a:solidFill>
-                <a:srgbClr val="000000"/>
-              </a:solidFill>
-              <a:latin typeface="Arial" charset="0"/>
-            </a:endParaRPr>
+              <a:t>binary patterns are very good </a:t>
+            </a:r>
+            <a:r>
+              <a:rPr lang="sv-SE" sz="3600" dirty="0" smtClean="0">
+                <a:solidFill>
+                  <a:srgbClr val="000000"/>
+                </a:solidFill>
+                <a:latin typeface="Arial" charset="0"/>
+              </a:rPr>
+              <a:t>at </a:t>
+            </a:r>
+            <a:r>
+              <a:rPr lang="sv-SE" sz="3600" dirty="0" smtClean="0">
+                <a:solidFill>
+                  <a:srgbClr val="000000"/>
+                </a:solidFill>
+                <a:latin typeface="Arial" charset="0"/>
+              </a:rPr>
+              <a:t>identifying textures, which has been hypothesized to be of importance in cell classification. In this project three </a:t>
+            </a:r>
+            <a:r>
+              <a:rPr lang="sv-SE" sz="3600" dirty="0" smtClean="0">
+                <a:solidFill>
+                  <a:srgbClr val="000000"/>
+                </a:solidFill>
+                <a:latin typeface="Arial" charset="0"/>
+              </a:rPr>
+              <a:t>recent LBP </a:t>
+            </a:r>
+            <a:r>
+              <a:rPr lang="sv-SE" sz="3600" dirty="0" smtClean="0">
+                <a:solidFill>
+                  <a:srgbClr val="000000"/>
+                </a:solidFill>
+                <a:latin typeface="Arial" charset="0"/>
+              </a:rPr>
+              <a:t>based networks are tuned and compared to conventional network architechtures</a:t>
+            </a:r>
+            <a:r>
+              <a:rPr lang="sv-SE" sz="3200" dirty="0" smtClean="0">
+                <a:solidFill>
+                  <a:srgbClr val="000000"/>
+                </a:solidFill>
+                <a:latin typeface="Arial" charset="0"/>
+              </a:rPr>
+              <a:t>.</a:t>
+            </a:r>
           </a:p>
         </p:txBody>
       </p:sp>
@@ -4701,7 +4826,7 @@
         </p:nvSpPr>
         <p:spPr bwMode="auto">
           <a:xfrm>
-            <a:off x="8998869" y="16057165"/>
+            <a:off x="9214893" y="15635236"/>
             <a:ext cx="5616624" cy="3744416"/>
           </a:xfrm>
           <a:prstGeom prst="roundRect">
@@ -4787,8 +4912,8 @@
         </p:nvSpPr>
         <p:spPr>
           <a:xfrm>
-            <a:off x="7846741" y="3959821"/>
-            <a:ext cx="3888432" cy="800219"/>
+            <a:off x="8507119" y="3311749"/>
+            <a:ext cx="4511893" cy="800219"/>
           </a:xfrm>
           <a:prstGeom prst="rect">
             <a:avLst/>
@@ -4833,8 +4958,8 @@
         </p:nvSpPr>
         <p:spPr bwMode="auto">
           <a:xfrm>
-            <a:off x="5902525" y="14089394"/>
-            <a:ext cx="7632848" cy="4776083"/>
+            <a:off x="6202165" y="13667465"/>
+            <a:ext cx="9061400" cy="8592507"/>
           </a:xfrm>
           <a:prstGeom prst="roundRect">
             <a:avLst>
@@ -4903,7 +5028,7 @@
         </p:nvSpPr>
         <p:spPr>
           <a:xfrm>
-            <a:off x="8638829" y="13657346"/>
+            <a:off x="9574933" y="13322849"/>
             <a:ext cx="2160240" cy="800219"/>
           </a:xfrm>
           <a:prstGeom prst="rect">
@@ -4941,47 +5066,6 @@
           </a:p>
         </p:txBody>
       </p:sp>
-      <p:pic>
-        <p:nvPicPr>
-          <p:cNvPr id="1028" name="Picture 4" descr="C:\Users\Bulb\Documents\Teknisk Fysik\15hp project\code\data\glass_3_im_85.jpg"/>
-          <p:cNvPicPr>
-            <a:picLocks noChangeAspect="1" noChangeArrowheads="1"/>
-          </p:cNvPicPr>
-          <p:nvPr/>
-        </p:nvPicPr>
-        <p:blipFill>
-          <a:blip r:embed="rId2">
-            <a:extLst>
-              <a:ext uri="{28A0092B-C50C-407E-A947-70E740481C1C}">
-                <a14:useLocalDpi xmlns:a14="http://schemas.microsoft.com/office/drawing/2010/main" val="0"/>
-              </a:ext>
-            </a:extLst>
-          </a:blip>
-          <a:srcRect/>
-          <a:stretch>
-            <a:fillRect/>
-          </a:stretch>
-        </p:blipFill>
-        <p:spPr bwMode="auto">
-          <a:xfrm>
-            <a:off x="11104364" y="16626368"/>
-            <a:ext cx="1674267" cy="1674267"/>
-          </a:xfrm>
-          <a:prstGeom prst="rect">
-            <a:avLst/>
-          </a:prstGeom>
-          <a:noFill/>
-          <a:extLst>
-            <a:ext uri="{909E8E84-426E-40DD-AFC4-6F175D3DCCD1}">
-              <a14:hiddenFill xmlns:a14="http://schemas.microsoft.com/office/drawing/2010/main">
-                <a:solidFill>
-                  <a:srgbClr val="FFFFFF"/>
-                </a:solidFill>
-              </a14:hiddenFill>
-            </a:ext>
-          </a:extLst>
-        </p:spPr>
-      </p:pic>
       <p:sp>
         <p:nvSpPr>
           <p:cNvPr id="3" name="TextBox 2"/>
@@ -4990,8 +5074,8 @@
         </p:nvSpPr>
         <p:spPr>
           <a:xfrm>
-            <a:off x="6058149" y="14833029"/>
-            <a:ext cx="7387357" cy="2160591"/>
+            <a:off x="6274173" y="14339092"/>
+            <a:ext cx="9061400" cy="3453253"/>
           </a:xfrm>
           <a:prstGeom prst="rect">
             <a:avLst/>
@@ -5005,57 +5089,12 @@
           <a:lstStyle/>
           <a:p>
             <a:r>
-              <a:rPr lang="en-GB" sz="3200" dirty="0"/>
+              <a:rPr lang="en-GB" sz="3600" dirty="0"/>
               <a:t>The data set consisted of 10274 80x80 images of cells from six patients, three with cancer and three without. </a:t>
             </a:r>
             <a:r>
-              <a:rPr lang="en-GB" sz="3200" dirty="0" smtClean="0"/>
-              <a:t>Cells</a:t>
-            </a:r>
-            <a:endParaRPr lang="en-GB" sz="3200" dirty="0"/>
-          </a:p>
-          <a:p>
-            <a:endParaRPr lang="en-GB" sz="3200" dirty="0"/>
-          </a:p>
-        </p:txBody>
-      </p:sp>
-      <p:sp>
-        <p:nvSpPr>
-          <p:cNvPr id="4" name="TextBox 3"/>
-          <p:cNvSpPr txBox="1"/>
-          <p:nvPr/>
-        </p:nvSpPr>
-        <p:spPr>
-          <a:xfrm>
-            <a:off x="6058149" y="16331058"/>
-            <a:ext cx="5256583" cy="2751522"/>
-          </a:xfrm>
-          <a:prstGeom prst="rect">
-            <a:avLst/>
-          </a:prstGeom>
-          <a:noFill/>
-        </p:spPr>
-        <p:txBody>
-          <a:bodyPr wrap="square" rtlCol="0">
-            <a:spAutoFit/>
-          </a:bodyPr>
-          <a:lstStyle/>
-          <a:p>
-            <a:r>
-              <a:rPr lang="en-GB" sz="3200" dirty="0" smtClean="0"/>
-              <a:t>were </a:t>
-            </a:r>
-            <a:r>
-              <a:rPr lang="en-GB" sz="3200" dirty="0"/>
-              <a:t>sampled from the mouth of the patient and placed </a:t>
-            </a:r>
-            <a:r>
-              <a:rPr lang="en-GB" sz="3200" dirty="0" smtClean="0"/>
-              <a:t>on a </a:t>
-            </a:r>
-            <a:r>
-              <a:rPr lang="en-GB" sz="3200" dirty="0"/>
-              <a:t>glass and photographed.</a:t>
+              <a:rPr lang="en-GB" sz="3600" dirty="0"/>
+              <a:t>Cells were sampled from the mouth of the patient and placed on a glass and photographed.</a:t>
             </a:r>
           </a:p>
           <a:p>
@@ -5071,8 +5110,8 @@
         </p:nvSpPr>
         <p:spPr bwMode="auto">
           <a:xfrm>
-            <a:off x="13967421" y="4391869"/>
-            <a:ext cx="7632848" cy="8568952"/>
+            <a:off x="16271677" y="3642844"/>
+            <a:ext cx="8928992" cy="18617128"/>
           </a:xfrm>
           <a:prstGeom prst="roundRect">
             <a:avLst>
@@ -5133,22 +5172,462 @@
           </a:p>
           <a:p>
             <a:r>
-              <a:rPr lang="sv-SE" sz="3200" dirty="0"/>
-              <a:t>Concieved by Ojala et al in 1996 and extended in 2002. [1]</a:t>
-            </a:r>
-          </a:p>
-        </p:txBody>
-      </p:sp>
-      <p:sp>
-        <p:nvSpPr>
-          <p:cNvPr id="21" name="Rounded Rectangle 20"/>
+              <a:rPr lang="sv-SE" sz="3600" dirty="0" smtClean="0"/>
+              <a:t>Conceived </a:t>
+            </a:r>
+            <a:r>
+              <a:rPr lang="sv-SE" sz="3600" dirty="0"/>
+              <a:t>by Ojala et al in 1996 and extended in 2002. [1]</a:t>
+            </a:r>
+          </a:p>
+        </p:txBody>
+      </p:sp>
+      <p:sp>
+        <p:nvSpPr>
+          <p:cNvPr id="19" name="TextBox 18"/>
+          <p:cNvSpPr txBox="1"/>
+          <p:nvPr/>
+        </p:nvSpPr>
+        <p:spPr>
+          <a:xfrm>
+            <a:off x="17387801" y="3311749"/>
+            <a:ext cx="6408712" cy="800219"/>
+          </a:xfrm>
+          <a:prstGeom prst="rect">
+            <a:avLst/>
+          </a:prstGeom>
+          <a:solidFill>
+            <a:srgbClr val="B40000"/>
+          </a:solidFill>
+          <a:ln w="57150">
+            <a:solidFill>
+              <a:schemeClr val="tx1"/>
+            </a:solidFill>
+          </a:ln>
+        </p:spPr>
+        <p:txBody>
+          <a:bodyPr wrap="square" rtlCol="0">
+            <a:spAutoFit/>
+          </a:bodyPr>
+          <a:lstStyle/>
+          <a:p>
+            <a:pPr algn="ctr"/>
+            <a:r>
+              <a:rPr lang="sv-SE" b="1" dirty="0" smtClean="0">
+                <a:solidFill>
+                  <a:schemeClr val="accent3"/>
+                </a:solidFill>
+              </a:rPr>
+              <a:t>Local Binary Patterns</a:t>
+            </a:r>
+            <a:endParaRPr lang="en-GB" b="1" dirty="0">
+              <a:solidFill>
+                <a:schemeClr val="accent3"/>
+              </a:solidFill>
+            </a:endParaRPr>
+          </a:p>
+        </p:txBody>
+      </p:sp>
+      <p:pic>
+        <p:nvPicPr>
+          <p:cNvPr id="22" name="Picture 3" descr="C:\Users\Bulb\Documents\Teknisk Fysik\15hp project\code\data\glass_3_im_85.jpg"/>
+          <p:cNvPicPr>
+            <a:picLocks noChangeAspect="1" noChangeArrowheads="1"/>
+          </p:cNvPicPr>
+          <p:nvPr/>
+        </p:nvPicPr>
+        <p:blipFill>
+          <a:blip r:embed="rId2">
+            <a:extLst>
+              <a:ext uri="{28A0092B-C50C-407E-A947-70E740481C1C}">
+                <a14:useLocalDpi xmlns:a14="http://schemas.microsoft.com/office/drawing/2010/main" val="0"/>
+              </a:ext>
+            </a:extLst>
+          </a:blip>
+          <a:srcRect/>
+          <a:stretch>
+            <a:fillRect/>
+          </a:stretch>
+        </p:blipFill>
+        <p:spPr bwMode="auto">
+          <a:xfrm flipH="1">
+            <a:off x="6595025" y="19523294"/>
+            <a:ext cx="1715999" cy="1728064"/>
+          </a:xfrm>
+          <a:prstGeom prst="rect">
+            <a:avLst/>
+          </a:prstGeom>
+          <a:noFill/>
+          <a:extLst>
+            <a:ext uri="{909E8E84-426E-40DD-AFC4-6F175D3DCCD1}">
+              <a14:hiddenFill xmlns:a14="http://schemas.microsoft.com/office/drawing/2010/main">
+                <a:solidFill>
+                  <a:srgbClr val="FFFFFF"/>
+                </a:solidFill>
+              </a14:hiddenFill>
+            </a:ext>
+          </a:extLst>
+        </p:spPr>
+      </p:pic>
+      <p:pic>
+        <p:nvPicPr>
+          <p:cNvPr id="23" name="Picture 4" descr="C:\Users\Bulb\Documents\Teknisk Fysik\15hp project\code\data\glass_3_im_200.jpg"/>
+          <p:cNvPicPr>
+            <a:picLocks noChangeAspect="1" noChangeArrowheads="1"/>
+          </p:cNvPicPr>
+          <p:nvPr/>
+        </p:nvPicPr>
+        <p:blipFill>
+          <a:blip r:embed="rId3">
+            <a:extLst>
+              <a:ext uri="{28A0092B-C50C-407E-A947-70E740481C1C}">
+                <a14:useLocalDpi xmlns:a14="http://schemas.microsoft.com/office/drawing/2010/main" val="0"/>
+              </a:ext>
+            </a:extLst>
+          </a:blip>
+          <a:srcRect/>
+          <a:stretch>
+            <a:fillRect/>
+          </a:stretch>
+        </p:blipFill>
+        <p:spPr bwMode="auto">
+          <a:xfrm flipH="1">
+            <a:off x="8426777" y="19499922"/>
+            <a:ext cx="1715999" cy="1727108"/>
+          </a:xfrm>
+          <a:prstGeom prst="rect">
+            <a:avLst/>
+          </a:prstGeom>
+          <a:noFill/>
+          <a:extLst>
+            <a:ext uri="{909E8E84-426E-40DD-AFC4-6F175D3DCCD1}">
+              <a14:hiddenFill xmlns:a14="http://schemas.microsoft.com/office/drawing/2010/main">
+                <a:solidFill>
+                  <a:srgbClr val="FFFFFF"/>
+                </a:solidFill>
+              </a14:hiddenFill>
+            </a:ext>
+          </a:extLst>
+        </p:spPr>
+      </p:pic>
+      <p:pic>
+        <p:nvPicPr>
+          <p:cNvPr id="24" name="Picture 5" descr="C:\Users\Bulb\Documents\Teknisk Fysik\15hp project\code\data\glass_3_im_1000.jpg"/>
+          <p:cNvPicPr>
+            <a:picLocks noChangeAspect="1" noChangeArrowheads="1"/>
+          </p:cNvPicPr>
+          <p:nvPr/>
+        </p:nvPicPr>
+        <p:blipFill>
+          <a:blip r:embed="rId4">
+            <a:extLst>
+              <a:ext uri="{28A0092B-C50C-407E-A947-70E740481C1C}">
+                <a14:useLocalDpi xmlns:a14="http://schemas.microsoft.com/office/drawing/2010/main" val="0"/>
+              </a:ext>
+            </a:extLst>
+          </a:blip>
+          <a:srcRect/>
+          <a:stretch>
+            <a:fillRect/>
+          </a:stretch>
+        </p:blipFill>
+        <p:spPr bwMode="auto">
+          <a:xfrm flipH="1">
+            <a:off x="6570003" y="17642895"/>
+            <a:ext cx="1727108" cy="1768148"/>
+          </a:xfrm>
+          <a:prstGeom prst="rect">
+            <a:avLst/>
+          </a:prstGeom>
+          <a:noFill/>
+          <a:extLst>
+            <a:ext uri="{909E8E84-426E-40DD-AFC4-6F175D3DCCD1}">
+              <a14:hiddenFill xmlns:a14="http://schemas.microsoft.com/office/drawing/2010/main">
+                <a:solidFill>
+                  <a:srgbClr val="FFFFFF"/>
+                </a:solidFill>
+              </a14:hiddenFill>
+            </a:ext>
+          </a:extLst>
+        </p:spPr>
+      </p:pic>
+      <p:sp>
+        <p:nvSpPr>
+          <p:cNvPr id="25" name="TextBox 24"/>
+          <p:cNvSpPr txBox="1"/>
+          <p:nvPr/>
+        </p:nvSpPr>
+        <p:spPr>
+          <a:xfrm flipH="1">
+            <a:off x="6201966" y="21395374"/>
+            <a:ext cx="4065326" cy="584775"/>
+          </a:xfrm>
+          <a:prstGeom prst="rect">
+            <a:avLst/>
+          </a:prstGeom>
+          <a:noFill/>
+        </p:spPr>
+        <p:txBody>
+          <a:bodyPr wrap="square" rtlCol="0">
+            <a:spAutoFit/>
+          </a:bodyPr>
+          <a:lstStyle/>
+          <a:p>
+            <a:pPr algn="ctr"/>
+            <a:r>
+              <a:rPr lang="sv-SE" sz="3200" b="1" dirty="0" smtClean="0"/>
+              <a:t>Healthy Cells</a:t>
+            </a:r>
+            <a:endParaRPr lang="en-GB" sz="7000" b="1" dirty="0"/>
+          </a:p>
+        </p:txBody>
+      </p:sp>
+      <p:pic>
+        <p:nvPicPr>
+          <p:cNvPr id="26" name="Picture 9" descr="C:\Users\Bulb\Documents\Teknisk Fysik\15hp project\code\data\glass_12_im_50.jpg"/>
+          <p:cNvPicPr>
+            <a:picLocks noChangeAspect="1" noChangeArrowheads="1"/>
+          </p:cNvPicPr>
+          <p:nvPr/>
+        </p:nvPicPr>
+        <p:blipFill>
+          <a:blip r:embed="rId5">
+            <a:extLst>
+              <a:ext uri="{28A0092B-C50C-407E-A947-70E740481C1C}">
+                <a14:useLocalDpi xmlns:a14="http://schemas.microsoft.com/office/drawing/2010/main" val="0"/>
+              </a:ext>
+            </a:extLst>
+          </a:blip>
+          <a:srcRect/>
+          <a:stretch>
+            <a:fillRect/>
+          </a:stretch>
+        </p:blipFill>
+        <p:spPr bwMode="auto">
+          <a:xfrm flipH="1">
+            <a:off x="11010159" y="17507445"/>
+            <a:ext cx="1727107" cy="1759582"/>
+          </a:xfrm>
+          <a:prstGeom prst="rect">
+            <a:avLst/>
+          </a:prstGeom>
+          <a:noFill/>
+          <a:extLst>
+            <a:ext uri="{909E8E84-426E-40DD-AFC4-6F175D3DCCD1}">
+              <a14:hiddenFill xmlns:a14="http://schemas.microsoft.com/office/drawing/2010/main">
+                <a:solidFill>
+                  <a:srgbClr val="FFFFFF"/>
+                </a:solidFill>
+              </a14:hiddenFill>
+            </a:ext>
+          </a:extLst>
+        </p:spPr>
+      </p:pic>
+      <p:pic>
+        <p:nvPicPr>
+          <p:cNvPr id="27" name="Picture 10" descr="C:\Users\Bulb\Documents\Teknisk Fysik\15hp project\code\data\glass_12_im_100.jpg"/>
+          <p:cNvPicPr>
+            <a:picLocks noChangeAspect="1" noChangeArrowheads="1"/>
+          </p:cNvPicPr>
+          <p:nvPr/>
+        </p:nvPicPr>
+        <p:blipFill>
+          <a:blip r:embed="rId6">
+            <a:extLst>
+              <a:ext uri="{28A0092B-C50C-407E-A947-70E740481C1C}">
+                <a14:useLocalDpi xmlns:a14="http://schemas.microsoft.com/office/drawing/2010/main" val="0"/>
+              </a:ext>
+            </a:extLst>
+          </a:blip>
+          <a:srcRect/>
+          <a:stretch>
+            <a:fillRect/>
+          </a:stretch>
+        </p:blipFill>
+        <p:spPr bwMode="auto">
+          <a:xfrm flipH="1">
+            <a:off x="12947192" y="19453333"/>
+            <a:ext cx="1749370" cy="1749370"/>
+          </a:xfrm>
+          <a:prstGeom prst="rect">
+            <a:avLst/>
+          </a:prstGeom>
+          <a:noFill/>
+          <a:extLst>
+            <a:ext uri="{909E8E84-426E-40DD-AFC4-6F175D3DCCD1}">
+              <a14:hiddenFill xmlns:a14="http://schemas.microsoft.com/office/drawing/2010/main">
+                <a:solidFill>
+                  <a:srgbClr val="FFFFFF"/>
+                </a:solidFill>
+              </a14:hiddenFill>
+            </a:ext>
+          </a:extLst>
+        </p:spPr>
+      </p:pic>
+      <p:pic>
+        <p:nvPicPr>
+          <p:cNvPr id="28" name="Picture 11" descr="C:\Users\Bulb\Documents\Teknisk Fysik\15hp project\code\data\glass_12_im_200.jpg"/>
+          <p:cNvPicPr>
+            <a:picLocks noChangeAspect="1" noChangeArrowheads="1"/>
+          </p:cNvPicPr>
+          <p:nvPr/>
+        </p:nvPicPr>
+        <p:blipFill>
+          <a:blip r:embed="rId7">
+            <a:extLst>
+              <a:ext uri="{28A0092B-C50C-407E-A947-70E740481C1C}">
+                <a14:useLocalDpi xmlns:a14="http://schemas.microsoft.com/office/drawing/2010/main" val="0"/>
+              </a:ext>
+            </a:extLst>
+          </a:blip>
+          <a:srcRect/>
+          <a:stretch>
+            <a:fillRect/>
+          </a:stretch>
+        </p:blipFill>
+        <p:spPr bwMode="auto">
+          <a:xfrm flipH="1">
+            <a:off x="11001381" y="19448293"/>
+            <a:ext cx="1724017" cy="1724017"/>
+          </a:xfrm>
+          <a:prstGeom prst="rect">
+            <a:avLst/>
+          </a:prstGeom>
+          <a:noFill/>
+          <a:extLst>
+            <a:ext uri="{909E8E84-426E-40DD-AFC4-6F175D3DCCD1}">
+              <a14:hiddenFill xmlns:a14="http://schemas.microsoft.com/office/drawing/2010/main">
+                <a:solidFill>
+                  <a:srgbClr val="FFFFFF"/>
+                </a:solidFill>
+              </a14:hiddenFill>
+            </a:ext>
+          </a:extLst>
+        </p:spPr>
+      </p:pic>
+      <p:pic>
+        <p:nvPicPr>
+          <p:cNvPr id="29" name="Picture 13" descr="C:\Users\Bulb\Documents\Teknisk Fysik\15hp project\code\data\glass_4_im_1.jpg"/>
+          <p:cNvPicPr>
+            <a:picLocks noChangeAspect="1" noChangeArrowheads="1"/>
+          </p:cNvPicPr>
+          <p:nvPr/>
+        </p:nvPicPr>
+        <p:blipFill>
+          <a:blip r:embed="rId8">
+            <a:extLst>
+              <a:ext uri="{28A0092B-C50C-407E-A947-70E740481C1C}">
+                <a14:useLocalDpi xmlns:a14="http://schemas.microsoft.com/office/drawing/2010/main" val="0"/>
+              </a:ext>
+            </a:extLst>
+          </a:blip>
+          <a:srcRect/>
+          <a:stretch>
+            <a:fillRect/>
+          </a:stretch>
+        </p:blipFill>
+        <p:spPr bwMode="auto">
+          <a:xfrm flipH="1">
+            <a:off x="8435298" y="17611002"/>
+            <a:ext cx="1727108" cy="1768148"/>
+          </a:xfrm>
+          <a:prstGeom prst="rect">
+            <a:avLst/>
+          </a:prstGeom>
+          <a:noFill/>
+          <a:extLst>
+            <a:ext uri="{909E8E84-426E-40DD-AFC4-6F175D3DCCD1}">
+              <a14:hiddenFill xmlns:a14="http://schemas.microsoft.com/office/drawing/2010/main">
+                <a:solidFill>
+                  <a:srgbClr val="FFFFFF"/>
+                </a:solidFill>
+              </a14:hiddenFill>
+            </a:ext>
+          </a:extLst>
+        </p:spPr>
+      </p:pic>
+      <p:sp>
+        <p:nvSpPr>
+          <p:cNvPr id="30" name="TextBox 29"/>
+          <p:cNvSpPr txBox="1"/>
+          <p:nvPr/>
+        </p:nvSpPr>
+        <p:spPr>
+          <a:xfrm flipH="1">
+            <a:off x="10749878" y="21389998"/>
+            <a:ext cx="4081639" cy="584775"/>
+          </a:xfrm>
+          <a:prstGeom prst="rect">
+            <a:avLst/>
+          </a:prstGeom>
+          <a:noFill/>
+        </p:spPr>
+        <p:txBody>
+          <a:bodyPr wrap="square" rtlCol="0">
+            <a:spAutoFit/>
+          </a:bodyPr>
+          <a:lstStyle/>
+          <a:p>
+            <a:pPr algn="ctr"/>
+            <a:r>
+              <a:rPr lang="sv-SE" sz="3200" b="1" dirty="0" smtClean="0"/>
+              <a:t>Cancer Cells</a:t>
+            </a:r>
+            <a:endParaRPr lang="en-GB" sz="3200" b="1" dirty="0"/>
+          </a:p>
+        </p:txBody>
+      </p:sp>
+      <p:pic>
+        <p:nvPicPr>
+          <p:cNvPr id="31" name="Picture 15" descr="C:\Users\Bulb\Documents\Teknisk Fysik\15hp project\code\data\glass_37_im_1.jpg"/>
+          <p:cNvPicPr>
+            <a:picLocks noChangeAspect="1" noChangeArrowheads="1"/>
+          </p:cNvPicPr>
+          <p:nvPr/>
+        </p:nvPicPr>
+        <p:blipFill>
+          <a:blip r:embed="rId9">
+            <a:extLst>
+              <a:ext uri="{28A0092B-C50C-407E-A947-70E740481C1C}">
+                <a14:useLocalDpi xmlns:a14="http://schemas.microsoft.com/office/drawing/2010/main" val="0"/>
+              </a:ext>
+            </a:extLst>
+          </a:blip>
+          <a:srcRect/>
+          <a:stretch>
+            <a:fillRect/>
+          </a:stretch>
+        </p:blipFill>
+        <p:spPr bwMode="auto">
+          <a:xfrm flipH="1">
+            <a:off x="12947191" y="17507444"/>
+            <a:ext cx="1759583" cy="1759583"/>
+          </a:xfrm>
+          <a:prstGeom prst="rect">
+            <a:avLst/>
+          </a:prstGeom>
+          <a:noFill/>
+          <a:extLst>
+            <a:ext uri="{909E8E84-426E-40DD-AFC4-6F175D3DCCD1}">
+              <a14:hiddenFill xmlns:a14="http://schemas.microsoft.com/office/drawing/2010/main">
+                <a:solidFill>
+                  <a:srgbClr val="FFFFFF"/>
+                </a:solidFill>
+              </a14:hiddenFill>
+            </a:ext>
+          </a:extLst>
+        </p:spPr>
+      </p:pic>
+      <p:sp>
+        <p:nvSpPr>
+          <p:cNvPr id="32" name="Rounded Rectangle 31"/>
           <p:cNvSpPr/>
           <p:nvPr/>
         </p:nvSpPr>
         <p:spPr bwMode="auto">
           <a:xfrm>
-            <a:off x="5686501" y="23401981"/>
-            <a:ext cx="28803200" cy="1603070"/>
+            <a:off x="26064765" y="3642844"/>
+            <a:ext cx="8928992" cy="9089600"/>
           </a:xfrm>
           <a:prstGeom prst="roundRect">
             <a:avLst>
@@ -5211,14 +5690,14 @@
       </p:sp>
       <p:sp>
         <p:nvSpPr>
-          <p:cNvPr id="19" name="TextBox 18"/>
+          <p:cNvPr id="33" name="TextBox 32"/>
           <p:cNvSpPr txBox="1"/>
           <p:nvPr/>
         </p:nvSpPr>
         <p:spPr>
           <a:xfrm>
-            <a:off x="14615493" y="3959821"/>
-            <a:ext cx="6408712" cy="800219"/>
+            <a:off x="28441029" y="3319881"/>
+            <a:ext cx="4176464" cy="800219"/>
           </a:xfrm>
           <a:prstGeom prst="rect">
             <a:avLst/>
@@ -5245,7 +5724,7 @@
                   <a:schemeClr val="accent3"/>
                 </a:solidFill>
               </a:rPr>
-              <a:t>Local Binary Patterns</a:t>
+              <a:t>Models</a:t>
             </a:r>
             <a:endParaRPr lang="en-GB" b="1" dirty="0">
               <a:solidFill>
@@ -5257,14 +5736,130 @@
       </p:sp>
       <p:sp>
         <p:nvSpPr>
-          <p:cNvPr id="20" name="TextBox 19"/>
+          <p:cNvPr id="34" name="Rounded Rectangle 33"/>
+          <p:cNvSpPr/>
+          <p:nvPr/>
+        </p:nvSpPr>
+        <p:spPr bwMode="auto">
+          <a:xfrm>
+            <a:off x="25992757" y="13667466"/>
+            <a:ext cx="8928992" cy="8592506"/>
+          </a:xfrm>
+          <a:prstGeom prst="roundRect">
+            <a:avLst>
+              <a:gd name="adj" fmla="val 4188"/>
+            </a:avLst>
+          </a:prstGeom>
+          <a:solidFill>
+            <a:schemeClr val="bg1">
+              <a:lumMod val="95000"/>
+            </a:schemeClr>
+          </a:solidFill>
+          <a:ln w="76200"/>
+        </p:spPr>
+        <p:style>
+          <a:lnRef idx="2">
+            <a:schemeClr val="dk1"/>
+          </a:lnRef>
+          <a:fillRef idx="1">
+            <a:schemeClr val="lt1"/>
+          </a:fillRef>
+          <a:effectRef idx="0">
+            <a:schemeClr val="dk1"/>
+          </a:effectRef>
+          <a:fontRef idx="minor">
+            <a:schemeClr val="dk1"/>
+          </a:fontRef>
+        </p:style>
+        <p:txBody>
+          <a:bodyPr vert="horz" wrap="square" lIns="144000" tIns="72000" rIns="144000" bIns="72000" numCol="1" rtlCol="0" anchor="t" anchorCtr="0" compatLnSpc="1">
+            <a:prstTxWarp prst="textNoShape">
+              <a:avLst/>
+            </a:prstTxWarp>
+          </a:bodyPr>
+          <a:lstStyle/>
+          <a:p>
+            <a:pPr marL="0" marR="0" indent="0" defTabSz="914400" rtl="0" eaLnBrk="1" fontAlgn="base" latinLnBrk="0" hangingPunct="1">
+              <a:lnSpc>
+                <a:spcPct val="100000"/>
+              </a:lnSpc>
+              <a:spcBef>
+                <a:spcPct val="20000"/>
+              </a:spcBef>
+              <a:spcAft>
+                <a:spcPct val="0"/>
+              </a:spcAft>
+              <a:buClrTx/>
+              <a:buSzTx/>
+              <a:buFontTx/>
+              <a:buNone/>
+              <a:tabLst/>
+            </a:pPr>
+            <a:endParaRPr lang="sv-SE" sz="3200" dirty="0" smtClean="0">
+              <a:solidFill>
+                <a:srgbClr val="000000"/>
+              </a:solidFill>
+              <a:latin typeface="Arial" charset="0"/>
+            </a:endParaRPr>
+          </a:p>
+        </p:txBody>
+      </p:sp>
+      <p:sp>
+        <p:nvSpPr>
+          <p:cNvPr id="35" name="TextBox 34"/>
           <p:cNvSpPr txBox="1"/>
           <p:nvPr/>
         </p:nvSpPr>
         <p:spPr>
           <a:xfrm>
-            <a:off x="6262565" y="23690013"/>
-            <a:ext cx="27219024" cy="1107996"/>
+            <a:off x="28369021" y="13330980"/>
+            <a:ext cx="4176464" cy="800219"/>
+          </a:xfrm>
+          <a:prstGeom prst="rect">
+            <a:avLst/>
+          </a:prstGeom>
+          <a:solidFill>
+            <a:srgbClr val="B40000"/>
+          </a:solidFill>
+          <a:ln w="57150">
+            <a:solidFill>
+              <a:schemeClr val="tx1"/>
+            </a:solidFill>
+          </a:ln>
+        </p:spPr>
+        <p:txBody>
+          <a:bodyPr wrap="square" rtlCol="0">
+            <a:spAutoFit/>
+          </a:bodyPr>
+          <a:lstStyle/>
+          <a:p>
+            <a:pPr algn="ctr"/>
+            <a:r>
+              <a:rPr lang="sv-SE" b="1" dirty="0" smtClean="0">
+                <a:solidFill>
+                  <a:schemeClr val="accent3"/>
+                </a:solidFill>
+              </a:rPr>
+              <a:t>Results</a:t>
+            </a:r>
+            <a:endParaRPr lang="en-GB" b="1" dirty="0">
+              <a:solidFill>
+                <a:schemeClr val="accent3"/>
+              </a:solidFill>
+            </a:endParaRPr>
+          </a:p>
+        </p:txBody>
+      </p:sp>
+      <p:sp>
+        <p:nvSpPr>
+          <p:cNvPr id="5" name="TextBox 4"/>
+          <p:cNvSpPr txBox="1"/>
+          <p:nvPr/>
+        </p:nvSpPr>
+        <p:spPr>
+          <a:xfrm>
+            <a:off x="0" y="7200181"/>
+            <a:ext cx="5326461" cy="12255663"/>
           </a:xfrm>
           <a:prstGeom prst="rect">
             <a:avLst/>
@@ -5277,64 +5872,231 @@
           </a:bodyPr>
           <a:lstStyle/>
           <a:p>
-            <a:r>
-              <a:rPr lang="fi-FI" sz="3000" dirty="0" smtClean="0"/>
-              <a:t>[1]   Timo </a:t>
-            </a:r>
-            <a:r>
-              <a:rPr lang="fi-FI" sz="3000" dirty="0"/>
-              <a:t>Ojala, Matti Pietikainen, and Topi Maenpaa. </a:t>
-            </a:r>
-            <a:r>
-              <a:rPr lang="fi-FI" sz="3000" i="1" dirty="0" smtClean="0"/>
+            <a:pPr algn="ctr"/>
+            <a:r>
+              <a:rPr lang="en-GB" sz="4000" b="1" dirty="0" smtClean="0">
+                <a:solidFill>
+                  <a:schemeClr val="bg1"/>
+                </a:solidFill>
+              </a:rPr>
+              <a:t>Jo Gay</a:t>
+            </a:r>
+          </a:p>
+          <a:p>
+            <a:pPr algn="ctr"/>
+            <a:r>
+              <a:rPr lang="en-GB" sz="4000" b="1" dirty="0" smtClean="0">
+                <a:solidFill>
+                  <a:schemeClr val="bg1"/>
+                </a:solidFill>
+              </a:rPr>
+              <a:t>Hugo </a:t>
+            </a:r>
+            <a:r>
+              <a:rPr lang="en-GB" sz="4000" b="1" dirty="0" err="1" smtClean="0">
+                <a:solidFill>
+                  <a:schemeClr val="bg1"/>
+                </a:solidFill>
+              </a:rPr>
+              <a:t>Harlin</a:t>
+            </a:r>
+            <a:endParaRPr lang="en-GB" sz="4000" b="1" dirty="0" smtClean="0">
+              <a:solidFill>
+                <a:schemeClr val="bg1"/>
+              </a:solidFill>
+            </a:endParaRPr>
+          </a:p>
+          <a:p>
+            <a:pPr algn="ctr"/>
+            <a:endParaRPr lang="en-GB" sz="1600" b="1" dirty="0" smtClean="0">
+              <a:solidFill>
+                <a:schemeClr val="bg1"/>
+              </a:solidFill>
+            </a:endParaRPr>
+          </a:p>
+          <a:p>
+            <a:pPr algn="ctr"/>
+            <a:r>
+              <a:rPr lang="en-GB" sz="4000" dirty="0" smtClean="0">
+                <a:solidFill>
+                  <a:schemeClr val="bg1"/>
+                </a:solidFill>
+              </a:rPr>
+              <a:t>Project in Computational Science, January 2019</a:t>
+            </a:r>
+          </a:p>
+          <a:p>
+            <a:pPr algn="ctr"/>
+            <a:endParaRPr lang="en-GB" sz="4000" dirty="0" smtClean="0">
+              <a:solidFill>
+                <a:schemeClr val="bg1"/>
+              </a:solidFill>
+            </a:endParaRPr>
+          </a:p>
+          <a:p>
+            <a:pPr algn="ctr"/>
+            <a:endParaRPr lang="en-GB" sz="4000" dirty="0" smtClean="0">
+              <a:solidFill>
+                <a:schemeClr val="bg1"/>
+              </a:solidFill>
+            </a:endParaRPr>
+          </a:p>
+          <a:p>
+            <a:pPr algn="ctr"/>
+            <a:r>
+              <a:rPr lang="en-GB" sz="4000" dirty="0" smtClean="0">
+                <a:solidFill>
+                  <a:schemeClr val="bg1"/>
+                </a:solidFill>
+              </a:rPr>
+              <a:t>Supervisors:</a:t>
+            </a:r>
+          </a:p>
+          <a:p>
+            <a:pPr algn="ctr"/>
+            <a:r>
+              <a:rPr lang="sv-SE" sz="4000" b="1" dirty="0">
+                <a:solidFill>
+                  <a:schemeClr val="bg1"/>
+                </a:solidFill>
+              </a:rPr>
+              <a:t>Joakim </a:t>
+            </a:r>
+            <a:r>
+              <a:rPr lang="sv-SE" sz="4000" b="1" dirty="0" smtClean="0">
+                <a:solidFill>
+                  <a:schemeClr val="bg1"/>
+                </a:solidFill>
+              </a:rPr>
+              <a:t>Lindblad </a:t>
+            </a:r>
+            <a:r>
+              <a:rPr lang="sv-SE" sz="4000" b="1" dirty="0">
+                <a:solidFill>
+                  <a:schemeClr val="bg1"/>
+                </a:solidFill>
+              </a:rPr>
+              <a:t>Nataša </a:t>
+            </a:r>
+            <a:r>
+              <a:rPr lang="sv-SE" sz="4000" b="1" dirty="0" smtClean="0">
+                <a:solidFill>
+                  <a:schemeClr val="bg1"/>
+                </a:solidFill>
+              </a:rPr>
+              <a:t>Sladjoe</a:t>
+            </a:r>
+          </a:p>
+          <a:p>
+            <a:pPr algn="ctr"/>
+            <a:endParaRPr lang="sv-SE" sz="1600" b="1" dirty="0">
+              <a:solidFill>
+                <a:schemeClr val="bg1"/>
+              </a:solidFill>
+            </a:endParaRPr>
+          </a:p>
+          <a:p>
+            <a:pPr algn="ctr"/>
+            <a:r>
+              <a:rPr lang="en-GB" sz="4000" dirty="0" smtClean="0">
+                <a:solidFill>
+                  <a:schemeClr val="bg1"/>
+                </a:solidFill>
+              </a:rPr>
+              <a:t>Centre for Image Analysis,</a:t>
+            </a:r>
+          </a:p>
+          <a:p>
+            <a:pPr algn="ctr"/>
+            <a:r>
+              <a:rPr lang="en-GB" sz="4000" dirty="0" smtClean="0">
+                <a:solidFill>
+                  <a:schemeClr val="bg1"/>
+                </a:solidFill>
+              </a:rPr>
+              <a:t>Department of Information Technology</a:t>
+            </a:r>
+          </a:p>
+          <a:p>
+            <a:pPr algn="ctr"/>
+            <a:endParaRPr lang="en-GB" sz="4000" dirty="0" smtClean="0">
+              <a:solidFill>
+                <a:schemeClr val="bg1"/>
+              </a:solidFill>
+            </a:endParaRPr>
+          </a:p>
+        </p:txBody>
+      </p:sp>
+      <p:sp>
+        <p:nvSpPr>
+          <p:cNvPr id="36" name="Rounded Rectangle 35"/>
+          <p:cNvSpPr/>
+          <p:nvPr/>
+        </p:nvSpPr>
+        <p:spPr bwMode="auto">
+          <a:xfrm>
+            <a:off x="6046541" y="22969933"/>
+            <a:ext cx="28947216" cy="1872208"/>
+          </a:xfrm>
+          <a:prstGeom prst="roundRect">
+            <a:avLst>
+              <a:gd name="adj" fmla="val 4188"/>
+            </a:avLst>
+          </a:prstGeom>
+          <a:solidFill>
+            <a:schemeClr val="bg1">
+              <a:lumMod val="95000"/>
+            </a:schemeClr>
+          </a:solidFill>
+          <a:ln w="76200"/>
+        </p:spPr>
+        <p:style>
+          <a:lnRef idx="2">
+            <a:schemeClr val="dk1"/>
+          </a:lnRef>
+          <a:fillRef idx="1">
+            <a:schemeClr val="lt1"/>
+          </a:fillRef>
+          <a:effectRef idx="0">
+            <a:schemeClr val="dk1"/>
+          </a:effectRef>
+          <a:fontRef idx="minor">
+            <a:schemeClr val="dk1"/>
+          </a:fontRef>
+        </p:style>
+        <p:txBody>
+          <a:bodyPr vert="horz" wrap="square" lIns="144000" tIns="72000" rIns="144000" bIns="72000" numCol="1" rtlCol="0" anchor="t" anchorCtr="0" compatLnSpc="1">
+            <a:prstTxWarp prst="textNoShape">
+              <a:avLst/>
+            </a:prstTxWarp>
+          </a:bodyPr>
+          <a:lstStyle/>
+          <a:p>
+            <a:r>
+              <a:rPr lang="fi-FI" sz="2800" dirty="0"/>
+              <a:t>[1]   Timo Ojala, Matti Pietikainen, and Topi Maenpaa. </a:t>
+            </a:r>
+            <a:r>
+              <a:rPr lang="fi-FI" sz="2800" i="1" dirty="0"/>
               <a:t>Multiresolution </a:t>
             </a:r>
             <a:r>
-              <a:rPr lang="en-GB" sz="3000" i="1" dirty="0" err="1" smtClean="0"/>
+              <a:rPr lang="en-GB" sz="2800" i="1" dirty="0" err="1"/>
               <a:t>gray</a:t>
             </a:r>
             <a:r>
-              <a:rPr lang="en-GB" sz="3000" i="1" dirty="0" smtClean="0"/>
-              <a:t>-scale </a:t>
-            </a:r>
-            <a:r>
-              <a:rPr lang="en-GB" sz="3000" i="1" dirty="0"/>
-              <a:t>and rotation </a:t>
-            </a:r>
-            <a:r>
-              <a:rPr lang="en-GB" sz="3000" i="1" dirty="0" smtClean="0"/>
-              <a:t>invariant texture </a:t>
-            </a:r>
-            <a:r>
-              <a:rPr lang="en-GB" sz="3000" i="1" dirty="0"/>
-              <a:t>classification with local </a:t>
-            </a:r>
-            <a:r>
-              <a:rPr lang="en-GB" sz="3000" i="1" dirty="0" smtClean="0"/>
-              <a:t>binary patterns</a:t>
-            </a:r>
-            <a:r>
-              <a:rPr lang="en-GB" sz="3000" dirty="0" smtClean="0"/>
-              <a:t>.</a:t>
-            </a:r>
-          </a:p>
-          <a:p>
-            <a:r>
-              <a:rPr lang="en-GB" sz="3000" dirty="0" smtClean="0"/>
-              <a:t> </a:t>
-            </a:r>
-            <a:r>
-              <a:rPr lang="en-GB" sz="3000" dirty="0"/>
-              <a:t>IEEE Transactions on pattern analysis and </a:t>
-            </a:r>
-            <a:r>
-              <a:rPr lang="en-GB" sz="3000" dirty="0" smtClean="0"/>
-              <a:t>machine intelligence</a:t>
-            </a:r>
-            <a:r>
-              <a:rPr lang="en-GB" sz="3000" dirty="0"/>
-              <a:t>, 24(7):971–987, 2002.</a:t>
-            </a:r>
+              <a:rPr lang="en-GB" sz="2800" i="1" dirty="0"/>
+              <a:t>-scale and rotation invariant texture classification with local binary patterns</a:t>
+            </a:r>
+            <a:r>
+              <a:rPr lang="en-GB" sz="2800" dirty="0" smtClean="0"/>
+              <a:t>.  </a:t>
+            </a:r>
+            <a:r>
+              <a:rPr lang="en-GB" sz="2800" dirty="0"/>
+              <a:t>IEEE Transactions on pattern analysis and machine intelligence, 24(7):971–987, 2002.</a:t>
+            </a:r>
+            <a:endParaRPr lang="en-GB" sz="2800" dirty="0"/>
           </a:p>
         </p:txBody>
       </p:sp>
